--- a/最终作业论文调研/期末展示.pptx
+++ b/最终作业论文调研/期末展示.pptx
@@ -5,14 +5,19 @@
     <p:sldMasterId id="2147483648" r:id="rId1"/>
   </p:sldMasterIdLst>
   <p:notesMasterIdLst>
-    <p:notesMasterId r:id="rId5"/>
+    <p:notesMasterId r:id="rId6"/>
   </p:notesMasterIdLst>
   <p:sldIdLst>
-    <p:sldId id="257" r:id="rId3"/>
-    <p:sldId id="261" r:id="rId4"/>
-    <p:sldId id="262" r:id="rId6"/>
-    <p:sldId id="263" r:id="rId7"/>
-    <p:sldId id="264" r:id="rId8"/>
+    <p:sldId id="265" r:id="rId3"/>
+    <p:sldId id="266" r:id="rId4"/>
+    <p:sldId id="267" r:id="rId5"/>
+    <p:sldId id="268" r:id="rId7"/>
+    <p:sldId id="269" r:id="rId8"/>
+    <p:sldId id="257" r:id="rId9"/>
+    <p:sldId id="261" r:id="rId10"/>
+    <p:sldId id="262" r:id="rId11"/>
+    <p:sldId id="263" r:id="rId12"/>
+    <p:sldId id="264" r:id="rId13"/>
   </p:sldIdLst>
   <p:sldSz cx="12192000" cy="6858000"/>
   <p:notesSz cx="6858000" cy="9144000"/>
@@ -696,6 +701,240 @@
 </file>
 
 <file path=ppt/notesSlides/notesSlide4.xml><?xml version="1.0" encoding="utf-8"?>
+<p:notes xmlns:a="http://schemas.openxmlformats.org/drawingml/2006/main" xmlns:r="http://schemas.openxmlformats.org/officeDocument/2006/relationships" xmlns:p="http://schemas.openxmlformats.org/presentationml/2006/main">
+  <p:cSld>
+    <p:spTree>
+      <p:nvGrpSpPr>
+        <p:cNvPr id="1" name=""/>
+        <p:cNvGrpSpPr/>
+        <p:nvPr/>
+      </p:nvGrpSpPr>
+      <p:grpSpPr>
+        <a:xfrm>
+          <a:off x="0" y="0"/>
+          <a:ext cx="0" cy="0"/>
+          <a:chOff x="0" y="0"/>
+          <a:chExt cx="0" cy="0"/>
+        </a:xfrm>
+      </p:grpSpPr>
+      <p:sp>
+        <p:nvSpPr>
+          <p:cNvPr id="2" name="幻灯片图像占位符 1"/>
+          <p:cNvSpPr>
+            <a:spLocks noGrp="1" noRot="1" noChangeAspect="1"/>
+          </p:cNvSpPr>
+          <p:nvPr>
+            <p:ph type="sldImg"/>
+          </p:nvPr>
+        </p:nvSpPr>
+        <p:spPr/>
+      </p:sp>
+      <p:sp>
+        <p:nvSpPr>
+          <p:cNvPr id="3" name="备注占位符 2"/>
+          <p:cNvSpPr>
+            <a:spLocks noGrp="1"/>
+          </p:cNvSpPr>
+          <p:nvPr>
+            <p:ph type="body" idx="1"/>
+          </p:nvPr>
+        </p:nvSpPr>
+        <p:spPr/>
+        <p:txBody>
+          <a:bodyPr/>
+          <a:lstStyle/>
+          <a:p>
+            <a:endParaRPr lang="zh-CN" altLang="en-US" dirty="0"/>
+          </a:p>
+        </p:txBody>
+      </p:sp>
+      <p:sp>
+        <p:nvSpPr>
+          <p:cNvPr id="4" name="灯片编号占位符 3"/>
+          <p:cNvSpPr>
+            <a:spLocks noGrp="1"/>
+          </p:cNvSpPr>
+          <p:nvPr>
+            <p:ph type="sldNum" sz="quarter" idx="5"/>
+          </p:nvPr>
+        </p:nvSpPr>
+        <p:spPr/>
+        <p:txBody>
+          <a:bodyPr/>
+          <a:lstStyle/>
+          <a:p>
+            <a:fld id="{2CE3576A-0424-49DB-AD72-8D520803ED5D}" type="slidenum">
+              <a:rPr lang="zh-CN" altLang="en-US" smtClean="0"/>
+            </a:fld>
+            <a:endParaRPr lang="zh-CN" altLang="en-US"/>
+          </a:p>
+        </p:txBody>
+      </p:sp>
+    </p:spTree>
+  </p:cSld>
+  <p:clrMapOvr>
+    <a:masterClrMapping/>
+  </p:clrMapOvr>
+</p:notes>
+</file>
+
+<file path=ppt/notesSlides/notesSlide5.xml><?xml version="1.0" encoding="utf-8"?>
+<p:notes xmlns:a="http://schemas.openxmlformats.org/drawingml/2006/main" xmlns:r="http://schemas.openxmlformats.org/officeDocument/2006/relationships" xmlns:p="http://schemas.openxmlformats.org/presentationml/2006/main">
+  <p:cSld>
+    <p:spTree>
+      <p:nvGrpSpPr>
+        <p:cNvPr id="1" name=""/>
+        <p:cNvGrpSpPr/>
+        <p:nvPr/>
+      </p:nvGrpSpPr>
+      <p:grpSpPr>
+        <a:xfrm>
+          <a:off x="0" y="0"/>
+          <a:ext cx="0" cy="0"/>
+          <a:chOff x="0" y="0"/>
+          <a:chExt cx="0" cy="0"/>
+        </a:xfrm>
+      </p:grpSpPr>
+      <p:sp>
+        <p:nvSpPr>
+          <p:cNvPr id="2" name="幻灯片图像占位符 1"/>
+          <p:cNvSpPr>
+            <a:spLocks noGrp="1" noRot="1" noChangeAspect="1"/>
+          </p:cNvSpPr>
+          <p:nvPr>
+            <p:ph type="sldImg"/>
+          </p:nvPr>
+        </p:nvSpPr>
+        <p:spPr/>
+      </p:sp>
+      <p:sp>
+        <p:nvSpPr>
+          <p:cNvPr id="3" name="备注占位符 2"/>
+          <p:cNvSpPr>
+            <a:spLocks noGrp="1"/>
+          </p:cNvSpPr>
+          <p:nvPr>
+            <p:ph type="body" idx="1"/>
+          </p:nvPr>
+        </p:nvSpPr>
+        <p:spPr/>
+        <p:txBody>
+          <a:bodyPr/>
+          <a:lstStyle/>
+          <a:p>
+            <a:endParaRPr lang="zh-CN" altLang="en-US" dirty="0"/>
+          </a:p>
+        </p:txBody>
+      </p:sp>
+      <p:sp>
+        <p:nvSpPr>
+          <p:cNvPr id="4" name="灯片编号占位符 3"/>
+          <p:cNvSpPr>
+            <a:spLocks noGrp="1"/>
+          </p:cNvSpPr>
+          <p:nvPr>
+            <p:ph type="sldNum" sz="quarter" idx="5"/>
+          </p:nvPr>
+        </p:nvSpPr>
+        <p:spPr/>
+        <p:txBody>
+          <a:bodyPr/>
+          <a:lstStyle/>
+          <a:p>
+            <a:fld id="{2CE3576A-0424-49DB-AD72-8D520803ED5D}" type="slidenum">
+              <a:rPr lang="zh-CN" altLang="en-US" smtClean="0"/>
+            </a:fld>
+            <a:endParaRPr lang="zh-CN" altLang="en-US"/>
+          </a:p>
+        </p:txBody>
+      </p:sp>
+    </p:spTree>
+  </p:cSld>
+  <p:clrMapOvr>
+    <a:masterClrMapping/>
+  </p:clrMapOvr>
+</p:notes>
+</file>
+
+<file path=ppt/notesSlides/notesSlide6.xml><?xml version="1.0" encoding="utf-8"?>
+<p:notes xmlns:a="http://schemas.openxmlformats.org/drawingml/2006/main" xmlns:r="http://schemas.openxmlformats.org/officeDocument/2006/relationships" xmlns:p="http://schemas.openxmlformats.org/presentationml/2006/main">
+  <p:cSld>
+    <p:spTree>
+      <p:nvGrpSpPr>
+        <p:cNvPr id="1" name=""/>
+        <p:cNvGrpSpPr/>
+        <p:nvPr/>
+      </p:nvGrpSpPr>
+      <p:grpSpPr>
+        <a:xfrm>
+          <a:off x="0" y="0"/>
+          <a:ext cx="0" cy="0"/>
+          <a:chOff x="0" y="0"/>
+          <a:chExt cx="0" cy="0"/>
+        </a:xfrm>
+      </p:grpSpPr>
+      <p:sp>
+        <p:nvSpPr>
+          <p:cNvPr id="2" name="幻灯片图像占位符 1"/>
+          <p:cNvSpPr>
+            <a:spLocks noGrp="1" noRot="1" noChangeAspect="1"/>
+          </p:cNvSpPr>
+          <p:nvPr>
+            <p:ph type="sldImg"/>
+          </p:nvPr>
+        </p:nvSpPr>
+        <p:spPr/>
+      </p:sp>
+      <p:sp>
+        <p:nvSpPr>
+          <p:cNvPr id="3" name="备注占位符 2"/>
+          <p:cNvSpPr>
+            <a:spLocks noGrp="1"/>
+          </p:cNvSpPr>
+          <p:nvPr>
+            <p:ph type="body" idx="1"/>
+          </p:nvPr>
+        </p:nvSpPr>
+        <p:spPr/>
+        <p:txBody>
+          <a:bodyPr/>
+          <a:lstStyle/>
+          <a:p>
+            <a:endParaRPr lang="zh-CN" altLang="en-US" dirty="0"/>
+          </a:p>
+        </p:txBody>
+      </p:sp>
+      <p:sp>
+        <p:nvSpPr>
+          <p:cNvPr id="4" name="灯片编号占位符 3"/>
+          <p:cNvSpPr>
+            <a:spLocks noGrp="1"/>
+          </p:cNvSpPr>
+          <p:nvPr>
+            <p:ph type="sldNum" sz="quarter" idx="5"/>
+          </p:nvPr>
+        </p:nvSpPr>
+        <p:spPr/>
+        <p:txBody>
+          <a:bodyPr/>
+          <a:lstStyle/>
+          <a:p>
+            <a:fld id="{2CE3576A-0424-49DB-AD72-8D520803ED5D}" type="slidenum">
+              <a:rPr lang="zh-CN" altLang="en-US" smtClean="0"/>
+            </a:fld>
+            <a:endParaRPr lang="zh-CN" altLang="en-US"/>
+          </a:p>
+        </p:txBody>
+      </p:sp>
+    </p:spTree>
+  </p:cSld>
+  <p:clrMapOvr>
+    <a:masterClrMapping/>
+  </p:clrMapOvr>
+</p:notes>
+</file>
+
+<file path=ppt/notesSlides/notesSlide7.xml><?xml version="1.0" encoding="utf-8"?>
 <p:notes xmlns:a="http://schemas.openxmlformats.org/drawingml/2006/main" xmlns:r="http://schemas.openxmlformats.org/officeDocument/2006/relationships" xmlns:p="http://schemas.openxmlformats.org/presentationml/2006/main">
   <p:cSld>
     <p:spTree>
@@ -8538,7 +8777,7 @@
           <a:p>
             <a:r>
               <a:rPr lang="en-US" altLang="zh-CN" dirty="0"/>
-              <a:t>BPR-OPT</a:t>
+              <a:t>MF</a:t>
             </a:r>
             <a:endParaRPr lang="zh-CN" altLang="en-US" dirty="0"/>
           </a:p>
@@ -8554,7 +8793,12 @@
             <p:ph sz="quarter" idx="13"/>
           </p:nvPr>
         </p:nvSpPr>
-        <p:spPr/>
+        <p:spPr>
+          <a:xfrm>
+            <a:off x="579755" y="1663065"/>
+            <a:ext cx="6538595" cy="3573780"/>
+          </a:xfrm>
+        </p:spPr>
         <p:txBody>
           <a:bodyPr/>
           <a:lstStyle/>
@@ -8568,7 +8812,7 @@
             </a:r>
             <a:r>
               <a:rPr lang="en-US" altLang="zh-CN" dirty="0"/>
-              <a:t>:</a:t>
+              <a:t>: </a:t>
             </a:r>
             <a:endParaRPr lang="en-US" altLang="zh-CN" dirty="0"/>
           </a:p>
@@ -8578,7 +8822,1480 @@
             </a:pPr>
             <a:r>
               <a:rPr lang="en-US" altLang="zh-CN" dirty="0"/>
-              <a:t> Existing methods are designed for the item prediction task of personalized ranking, none of them is directly optimized for ranking.</a:t>
+              <a:t>tries to explain the ratings by characterizing both items and users on, say, 20 to 100 factors inferred from the ratings patterns. MF models map both users and items to a joint latent factor space of dimensionality f.</a:t>
+            </a:r>
+            <a:endParaRPr lang="en-US" altLang="zh-CN" dirty="0">
+              <a:latin typeface="Times New Roman" panose="02020603050405020304" pitchFamily="18" charset="0"/>
+              <a:cs typeface="Times New Roman" panose="02020603050405020304" pitchFamily="18" charset="0"/>
+            </a:endParaRPr>
+          </a:p>
+          <a:p>
+            <a:endParaRPr lang="en-US" altLang="zh-CN" dirty="0"/>
+          </a:p>
+          <a:p>
+            <a:pPr marL="0" indent="0">
+              <a:buNone/>
+            </a:pPr>
+            <a:r>
+              <a:rPr lang="en-US" altLang="zh-CN" b="1" dirty="0"/>
+              <a:t>Method </a:t>
+            </a:r>
+            <a:r>
+              <a:rPr lang="en-US" altLang="zh-CN" dirty="0"/>
+              <a:t>:</a:t>
+            </a:r>
+            <a:endParaRPr lang="zh-CN" altLang="en-US" dirty="0"/>
+          </a:p>
+        </p:txBody>
+      </p:sp>
+      <p:sp>
+        <p:nvSpPr>
+          <p:cNvPr id="4" name="灯片编号占位符 3"/>
+          <p:cNvSpPr>
+            <a:spLocks noGrp="1"/>
+          </p:cNvSpPr>
+          <p:nvPr>
+            <p:ph type="sldNum" sz="quarter" idx="12"/>
+          </p:nvPr>
+        </p:nvSpPr>
+        <p:spPr/>
+        <p:txBody>
+          <a:bodyPr/>
+          <a:lstStyle/>
+          <a:p>
+            <a:fld id="{96409989-9577-4FB1-8C63-5461CD5F732E}" type="slidenum">
+              <a:rPr lang="zh-CN" altLang="en-US" smtClean="0"/>
+            </a:fld>
+            <a:endParaRPr lang="zh-CN" altLang="en-US" dirty="0"/>
+          </a:p>
+        </p:txBody>
+      </p:sp>
+      <p:sp>
+        <p:nvSpPr>
+          <p:cNvPr id="5" name="页脚占位符 4"/>
+          <p:cNvSpPr>
+            <a:spLocks noGrp="1"/>
+          </p:cNvSpPr>
+          <p:nvPr>
+            <p:ph type="ftr" sz="quarter" idx="11"/>
+          </p:nvPr>
+        </p:nvSpPr>
+        <p:spPr/>
+        <p:txBody>
+          <a:bodyPr>
+            <a:normAutofit fontScale="60000"/>
+          </a:bodyPr>
+          <a:lstStyle/>
+          <a:p>
+            <a:r>
+              <a:rPr lang="zh-CN" altLang="en-US" dirty="0"/>
+              <a:t>Koren Y ,  Bell R ,  Volinsky C . Matrix Factorization Techniques for Recommender Systems[J]. Computer, 2009, 42(8):30-37.</a:t>
+            </a:r>
+            <a:endParaRPr lang="zh-CN" altLang="en-US" dirty="0"/>
+          </a:p>
+        </p:txBody>
+      </p:sp>
+      <p:pic>
+        <p:nvPicPr>
+          <p:cNvPr id="6" name="图片 5"/>
+          <p:cNvPicPr>
+            <a:picLocks noChangeAspect="1"/>
+          </p:cNvPicPr>
+          <p:nvPr/>
+        </p:nvPicPr>
+        <p:blipFill>
+          <a:blip r:embed="rId1"/>
+          <a:stretch>
+            <a:fillRect/>
+          </a:stretch>
+        </p:blipFill>
+        <p:spPr>
+          <a:xfrm>
+            <a:off x="1976116" y="3964099"/>
+            <a:ext cx="6634782" cy="955582"/>
+          </a:xfrm>
+          <a:prstGeom prst="rect">
+            <a:avLst/>
+          </a:prstGeom>
+        </p:spPr>
+      </p:pic>
+    </p:spTree>
+  </p:cSld>
+  <p:clrMapOvr>
+    <a:masterClrMapping/>
+  </p:clrMapOvr>
+  <mc:AlternateContent xmlns:mc="http://schemas.openxmlformats.org/markup-compatibility/2006">
+    <mc:Choice xmlns:p14="http://schemas.microsoft.com/office/powerpoint/2010/main" Requires="p14">
+      <p:transition spd="slow" p14:dur="2000"/>
+    </mc:Choice>
+    <mc:Fallback>
+      <p:transition spd="slow"/>
+    </mc:Fallback>
+  </mc:AlternateContent>
+</p:sld>
+</file>
+
+<file path=ppt/slides/slide10.xml><?xml version="1.0" encoding="utf-8"?>
+<p:sld xmlns:a="http://schemas.openxmlformats.org/drawingml/2006/main" xmlns:r="http://schemas.openxmlformats.org/officeDocument/2006/relationships" xmlns:p="http://schemas.openxmlformats.org/presentationml/2006/main">
+  <p:cSld>
+    <p:spTree>
+      <p:nvGrpSpPr>
+        <p:cNvPr id="1" name=""/>
+        <p:cNvGrpSpPr/>
+        <p:nvPr/>
+      </p:nvGrpSpPr>
+      <p:grpSpPr>
+        <a:xfrm>
+          <a:off x="0" y="0"/>
+          <a:ext cx="0" cy="0"/>
+          <a:chOff x="0" y="0"/>
+          <a:chExt cx="0" cy="0"/>
+        </a:xfrm>
+      </p:grpSpPr>
+      <p:sp>
+        <p:nvSpPr>
+          <p:cNvPr id="2" name="标题 1"/>
+          <p:cNvSpPr>
+            <a:spLocks noGrp="1"/>
+          </p:cNvSpPr>
+          <p:nvPr>
+            <p:ph type="title"/>
+          </p:nvPr>
+        </p:nvSpPr>
+        <p:spPr/>
+        <p:txBody>
+          <a:bodyPr/>
+          <a:lstStyle/>
+          <a:p>
+            <a:r>
+              <a:rPr lang="en-US" altLang="zh-CN" dirty="0"/>
+              <a:t>PRM</a:t>
+            </a:r>
+            <a:endParaRPr lang="en-US" altLang="zh-CN" dirty="0"/>
+          </a:p>
+        </p:txBody>
+      </p:sp>
+      <p:sp>
+        <p:nvSpPr>
+          <p:cNvPr id="3" name="内容占位符 2"/>
+          <p:cNvSpPr>
+            <a:spLocks noGrp="1"/>
+          </p:cNvSpPr>
+          <p:nvPr>
+            <p:ph sz="quarter" idx="13"/>
+          </p:nvPr>
+        </p:nvSpPr>
+        <p:spPr>
+          <a:xfrm>
+            <a:off x="579755" y="998855"/>
+            <a:ext cx="10625455" cy="5350510"/>
+          </a:xfrm>
+        </p:spPr>
+        <p:txBody>
+          <a:bodyPr>
+            <a:normAutofit lnSpcReduction="20000"/>
+          </a:bodyPr>
+          <a:lstStyle/>
+          <a:p>
+            <a:pPr marL="0" indent="0" algn="just">
+              <a:buNone/>
+            </a:pPr>
+            <a:r>
+              <a:rPr lang="en-US" altLang="zh-CN" b="1" dirty="0"/>
+              <a:t>Motivation </a:t>
+            </a:r>
+            <a:r>
+              <a:rPr lang="en-US" altLang="zh-CN" dirty="0"/>
+              <a:t>: </a:t>
+            </a:r>
+            <a:endParaRPr lang="en-US" altLang="zh-CN" dirty="0"/>
+          </a:p>
+          <a:p>
+            <a:pPr marL="0" algn="just">
+              <a:buClrTx/>
+              <a:buSzTx/>
+              <a:buNone/>
+            </a:pPr>
+            <a:r>
+              <a:rPr lang="en-US" altLang="zh-CN" dirty="0"/>
+              <a:t>Typically, a rankingfunction is learned from the labeled dataset to optimize the globalperformance, which produces a ranking score for each individualitem. However, it may be sub-optimal because the scoring functionapplies to each item individually and does not explicitly considerthe mutual in uence between items, as well as the di erences of users’ preferences or intents.</a:t>
+            </a:r>
+            <a:endParaRPr lang="en-US" altLang="zh-CN" dirty="0"/>
+          </a:p>
+          <a:p>
+            <a:pPr marL="0" indent="0" algn="just">
+              <a:buNone/>
+            </a:pPr>
+            <a:r>
+              <a:rPr lang="en-US" altLang="zh-CN" b="1" dirty="0"/>
+              <a:t>Method </a:t>
+            </a:r>
+            <a:r>
+              <a:rPr lang="en-US" altLang="zh-CN" dirty="0"/>
+              <a:t>:</a:t>
+            </a:r>
+            <a:endParaRPr lang="en-US" altLang="zh-CN" dirty="0"/>
+          </a:p>
+          <a:p>
+            <a:pPr lvl="1"/>
+            <a:r>
+              <a:rPr lang="en-US" altLang="zh-CN" dirty="0"/>
+              <a:t>new loss </a:t>
+            </a:r>
+            <a:r>
+              <a:rPr lang="en-US" altLang="zh-CN" dirty="0"/>
+              <a:t>based in LTR:</a:t>
+            </a:r>
+            <a:endParaRPr lang="en-US" altLang="zh-CN" dirty="0"/>
+          </a:p>
+          <a:p>
+            <a:pPr lvl="1"/>
+            <a:endParaRPr lang="en-US" altLang="zh-CN" dirty="0"/>
+          </a:p>
+          <a:p>
+            <a:pPr lvl="1"/>
+            <a:r>
+              <a:rPr lang="en-US" altLang="zh-CN" dirty="0"/>
+              <a:t>input</a:t>
+            </a:r>
+            <a:r>
+              <a:rPr lang="zh-CN" altLang="en-US" dirty="0"/>
+              <a:t>：</a:t>
+            </a:r>
+            <a:endParaRPr lang="zh-CN" altLang="en-US" dirty="0"/>
+          </a:p>
+          <a:p>
+            <a:pPr lvl="1"/>
+            <a:endParaRPr lang="zh-CN" altLang="en-US" dirty="0"/>
+          </a:p>
+          <a:p>
+            <a:pPr lvl="1"/>
+            <a:endParaRPr lang="zh-CN" altLang="en-US" dirty="0"/>
+          </a:p>
+          <a:p>
+            <a:pPr lvl="1"/>
+            <a:r>
+              <a:rPr lang="en-US" altLang="zh-CN" dirty="0"/>
+              <a:t>PV</a:t>
+            </a:r>
+            <a:r>
+              <a:rPr lang="zh-CN" altLang="en-US" dirty="0"/>
+              <a:t>：</a:t>
+            </a:r>
+            <a:endParaRPr lang="zh-CN" altLang="en-US" dirty="0"/>
+          </a:p>
+        </p:txBody>
+      </p:sp>
+      <p:sp>
+        <p:nvSpPr>
+          <p:cNvPr id="4" name="灯片编号占位符 3"/>
+          <p:cNvSpPr>
+            <a:spLocks noGrp="1"/>
+          </p:cNvSpPr>
+          <p:nvPr>
+            <p:ph type="sldNum" sz="quarter" idx="12"/>
+          </p:nvPr>
+        </p:nvSpPr>
+        <p:spPr/>
+        <p:txBody>
+          <a:bodyPr/>
+          <a:lstStyle/>
+          <a:p>
+            <a:fld id="{96409989-9577-4FB1-8C63-5461CD5F732E}" type="slidenum">
+              <a:rPr lang="zh-CN" altLang="en-US" smtClean="0"/>
+            </a:fld>
+            <a:endParaRPr lang="zh-CN" altLang="en-US" dirty="0"/>
+          </a:p>
+        </p:txBody>
+      </p:sp>
+      <p:sp>
+        <p:nvSpPr>
+          <p:cNvPr id="5" name="页脚占位符 4"/>
+          <p:cNvSpPr>
+            <a:spLocks noGrp="1"/>
+          </p:cNvSpPr>
+          <p:nvPr>
+            <p:ph type="ftr" sz="quarter" idx="11"/>
+          </p:nvPr>
+        </p:nvSpPr>
+        <p:spPr/>
+        <p:txBody>
+          <a:bodyPr>
+            <a:normAutofit fontScale="60000"/>
+          </a:bodyPr>
+          <a:lstStyle/>
+          <a:p>
+            <a:r>
+              <a:rPr lang="en-US" altLang="zh-CN" dirty="0"/>
+              <a:t>Xu, Y.; Xu, K.; Cai, Y.; Min, H. Leveraging Distrust Relations to Improve Bayesian Personalized Ranking. </a:t>
+            </a:r>
+            <a:r>
+              <a:rPr lang="en-US" altLang="zh-CN" i="1" dirty="0"/>
+              <a:t>Information</a:t>
+            </a:r>
+            <a:r>
+              <a:rPr lang="en-US" altLang="zh-CN" dirty="0"/>
+              <a:t> </a:t>
+            </a:r>
+            <a:r>
+              <a:rPr lang="en-US" altLang="zh-CN" b="1" dirty="0"/>
+              <a:t>2018</a:t>
+            </a:r>
+            <a:r>
+              <a:rPr lang="en-US" altLang="zh-CN" dirty="0"/>
+              <a:t>, </a:t>
+            </a:r>
+            <a:r>
+              <a:rPr lang="en-US" altLang="zh-CN" i="1" dirty="0"/>
+              <a:t>9</a:t>
+            </a:r>
+            <a:r>
+              <a:rPr lang="en-US" altLang="zh-CN" dirty="0"/>
+              <a:t>, 191.</a:t>
+            </a:r>
+            <a:endParaRPr lang="zh-CN" altLang="en-US" dirty="0"/>
+          </a:p>
+        </p:txBody>
+      </p:sp>
+      <p:pic>
+        <p:nvPicPr>
+          <p:cNvPr id="101" name="图片 100"/>
+          <p:cNvPicPr/>
+          <p:nvPr/>
+        </p:nvPicPr>
+        <p:blipFill>
+          <a:blip r:link="rId1"/>
+          <a:stretch>
+            <a:fillRect/>
+          </a:stretch>
+        </p:blipFill>
+        <p:spPr>
+          <a:xfrm>
+            <a:off x="3912870" y="3346450"/>
+            <a:ext cx="3959860" cy="625475"/>
+          </a:xfrm>
+          <a:prstGeom prst="rect">
+            <a:avLst/>
+          </a:prstGeom>
+          <a:noFill/>
+          <a:ln w="9525">
+            <a:noFill/>
+          </a:ln>
+        </p:spPr>
+      </p:pic>
+      <p:pic>
+        <p:nvPicPr>
+          <p:cNvPr id="7" name="图片 6"/>
+          <p:cNvPicPr>
+            <a:picLocks noChangeAspect="1"/>
+          </p:cNvPicPr>
+          <p:nvPr/>
+        </p:nvPicPr>
+        <p:blipFill>
+          <a:blip r:embed="rId2"/>
+          <a:stretch>
+            <a:fillRect/>
+          </a:stretch>
+        </p:blipFill>
+        <p:spPr>
+          <a:xfrm>
+            <a:off x="7974965" y="3710305"/>
+            <a:ext cx="3505200" cy="2266950"/>
+          </a:xfrm>
+          <a:prstGeom prst="rect">
+            <a:avLst/>
+          </a:prstGeom>
+        </p:spPr>
+      </p:pic>
+      <p:pic>
+        <p:nvPicPr>
+          <p:cNvPr id="103" name="图片 102"/>
+          <p:cNvPicPr/>
+          <p:nvPr/>
+        </p:nvPicPr>
+        <p:blipFill>
+          <a:blip r:link="rId3"/>
+          <a:stretch>
+            <a:fillRect/>
+          </a:stretch>
+        </p:blipFill>
+        <p:spPr>
+          <a:xfrm>
+            <a:off x="2347595" y="4055110"/>
+            <a:ext cx="1300480" cy="1019175"/>
+          </a:xfrm>
+          <a:prstGeom prst="rect">
+            <a:avLst/>
+          </a:prstGeom>
+          <a:noFill/>
+          <a:ln w="9525">
+            <a:noFill/>
+          </a:ln>
+        </p:spPr>
+      </p:pic>
+      <p:pic>
+        <p:nvPicPr>
+          <p:cNvPr id="8" name="图片 7"/>
+          <p:cNvPicPr>
+            <a:picLocks noChangeAspect="1"/>
+          </p:cNvPicPr>
+          <p:nvPr/>
+        </p:nvPicPr>
+        <p:blipFill>
+          <a:blip r:embed="rId4"/>
+          <a:stretch>
+            <a:fillRect/>
+          </a:stretch>
+        </p:blipFill>
+        <p:spPr>
+          <a:xfrm>
+            <a:off x="2042795" y="5074285"/>
+            <a:ext cx="904240" cy="1704340"/>
+          </a:xfrm>
+          <a:prstGeom prst="rect">
+            <a:avLst/>
+          </a:prstGeom>
+        </p:spPr>
+      </p:pic>
+    </p:spTree>
+  </p:cSld>
+  <p:clrMapOvr>
+    <a:masterClrMapping/>
+  </p:clrMapOvr>
+  <mc:AlternateContent xmlns:mc="http://schemas.openxmlformats.org/markup-compatibility/2006">
+    <mc:Choice xmlns:p14="http://schemas.microsoft.com/office/powerpoint/2010/main" Requires="p14">
+      <p:transition spd="slow" p14:dur="2000"/>
+    </mc:Choice>
+    <mc:Fallback>
+      <p:transition spd="slow"/>
+    </mc:Fallback>
+  </mc:AlternateContent>
+</p:sld>
+</file>
+
+<file path=ppt/slides/slide2.xml><?xml version="1.0" encoding="utf-8"?>
+<p:sld xmlns:a="http://schemas.openxmlformats.org/drawingml/2006/main" xmlns:r="http://schemas.openxmlformats.org/officeDocument/2006/relationships" xmlns:p="http://schemas.openxmlformats.org/presentationml/2006/main">
+  <p:cSld>
+    <p:spTree>
+      <p:nvGrpSpPr>
+        <p:cNvPr id="1" name=""/>
+        <p:cNvGrpSpPr/>
+        <p:nvPr/>
+      </p:nvGrpSpPr>
+      <p:grpSpPr>
+        <a:xfrm>
+          <a:off x="0" y="0"/>
+          <a:ext cx="0" cy="0"/>
+          <a:chOff x="0" y="0"/>
+          <a:chExt cx="0" cy="0"/>
+        </a:xfrm>
+      </p:grpSpPr>
+      <p:sp>
+        <p:nvSpPr>
+          <p:cNvPr id="2" name="标题 1"/>
+          <p:cNvSpPr>
+            <a:spLocks noGrp="1"/>
+          </p:cNvSpPr>
+          <p:nvPr>
+            <p:ph type="title"/>
+          </p:nvPr>
+        </p:nvSpPr>
+        <p:spPr/>
+        <p:txBody>
+          <a:bodyPr/>
+          <a:lstStyle/>
+          <a:p>
+            <a:r>
+              <a:rPr lang="en-US" altLang="zh-CN" dirty="0"/>
+              <a:t>IF-MF</a:t>
+            </a:r>
+            <a:endParaRPr lang="zh-CN" altLang="en-US" dirty="0"/>
+          </a:p>
+        </p:txBody>
+      </p:sp>
+      <p:sp>
+        <p:nvSpPr>
+          <p:cNvPr id="3" name="内容占位符 2"/>
+          <p:cNvSpPr>
+            <a:spLocks noGrp="1"/>
+          </p:cNvSpPr>
+          <p:nvPr>
+            <p:ph sz="quarter" idx="13"/>
+          </p:nvPr>
+        </p:nvSpPr>
+        <p:spPr>
+          <a:xfrm>
+            <a:off x="579755" y="1663065"/>
+            <a:ext cx="6791960" cy="3492500"/>
+          </a:xfrm>
+        </p:spPr>
+        <p:txBody>
+          <a:bodyPr/>
+          <a:lstStyle/>
+          <a:p>
+            <a:pPr marL="0" indent="0">
+              <a:buNone/>
+            </a:pPr>
+            <a:r>
+              <a:rPr lang="en-US" altLang="zh-CN" b="1" dirty="0"/>
+              <a:t>Motivation </a:t>
+            </a:r>
+            <a:r>
+              <a:rPr lang="en-US" altLang="zh-CN" dirty="0"/>
+              <a:t>:</a:t>
+            </a:r>
+            <a:endParaRPr lang="en-US" altLang="zh-CN" dirty="0"/>
+          </a:p>
+          <a:p>
+            <a:pPr marL="0" indent="0">
+              <a:buNone/>
+            </a:pPr>
+            <a:r>
+              <a:rPr lang="en-US" altLang="zh-CN" dirty="0"/>
+              <a:t>How to make good use of a large number of implicit data? How does the implicit data show the user's preference for item?</a:t>
+            </a:r>
+            <a:endParaRPr lang="en-US" altLang="zh-CN" dirty="0"/>
+          </a:p>
+          <a:p>
+            <a:endParaRPr lang="en-US" altLang="zh-CN" dirty="0"/>
+          </a:p>
+          <a:p>
+            <a:pPr marL="0" indent="0">
+              <a:buNone/>
+            </a:pPr>
+            <a:r>
+              <a:rPr lang="en-US" altLang="zh-CN" b="1" dirty="0"/>
+              <a:t>Method </a:t>
+            </a:r>
+            <a:r>
+              <a:rPr lang="en-US" altLang="zh-CN" dirty="0"/>
+              <a:t>:</a:t>
+            </a:r>
+            <a:endParaRPr lang="zh-CN" altLang="en-US" dirty="0"/>
+          </a:p>
+        </p:txBody>
+      </p:sp>
+      <p:sp>
+        <p:nvSpPr>
+          <p:cNvPr id="4" name="灯片编号占位符 3"/>
+          <p:cNvSpPr>
+            <a:spLocks noGrp="1"/>
+          </p:cNvSpPr>
+          <p:nvPr>
+            <p:ph type="sldNum" sz="quarter" idx="12"/>
+          </p:nvPr>
+        </p:nvSpPr>
+        <p:spPr/>
+        <p:txBody>
+          <a:bodyPr/>
+          <a:lstStyle/>
+          <a:p>
+            <a:fld id="{96409989-9577-4FB1-8C63-5461CD5F732E}" type="slidenum">
+              <a:rPr lang="zh-CN" altLang="en-US" smtClean="0"/>
+            </a:fld>
+            <a:endParaRPr lang="zh-CN" altLang="en-US" dirty="0"/>
+          </a:p>
+        </p:txBody>
+      </p:sp>
+      <p:sp>
+        <p:nvSpPr>
+          <p:cNvPr id="5" name="页脚占位符 4"/>
+          <p:cNvSpPr>
+            <a:spLocks noGrp="1"/>
+          </p:cNvSpPr>
+          <p:nvPr>
+            <p:ph type="ftr" sz="quarter" idx="11"/>
+          </p:nvPr>
+        </p:nvSpPr>
+        <p:spPr/>
+        <p:txBody>
+          <a:bodyPr>
+            <a:normAutofit fontScale="60000"/>
+          </a:bodyPr>
+          <a:lstStyle/>
+          <a:p>
+            <a:r>
+              <a:rPr lang="zh-CN" altLang="en-US" dirty="0"/>
+              <a:t> Hu Y ,  Koren Y ,  Volinsky C . Collaborative Filtering for Implicit Feedback Datasets[C]// Eighth IEEE International Conference on Data Mining. IEEE, 2009.</a:t>
+            </a:r>
+            <a:endParaRPr lang="zh-CN" altLang="en-US" dirty="0"/>
+          </a:p>
+        </p:txBody>
+      </p:sp>
+      <p:pic>
+        <p:nvPicPr>
+          <p:cNvPr id="6" name="图片 5"/>
+          <p:cNvPicPr>
+            <a:picLocks noChangeAspect="1"/>
+          </p:cNvPicPr>
+          <p:nvPr/>
+        </p:nvPicPr>
+        <p:blipFill>
+          <a:blip r:embed="rId1"/>
+          <a:stretch>
+            <a:fillRect/>
+          </a:stretch>
+        </p:blipFill>
+        <p:spPr>
+          <a:xfrm>
+            <a:off x="2127188" y="3079428"/>
+            <a:ext cx="2657475" cy="1009650"/>
+          </a:xfrm>
+          <a:prstGeom prst="rect">
+            <a:avLst/>
+          </a:prstGeom>
+        </p:spPr>
+      </p:pic>
+      <p:pic>
+        <p:nvPicPr>
+          <p:cNvPr id="7" name="图片 6"/>
+          <p:cNvPicPr>
+            <a:picLocks noChangeAspect="1"/>
+          </p:cNvPicPr>
+          <p:nvPr/>
+        </p:nvPicPr>
+        <p:blipFill>
+          <a:blip r:embed="rId2"/>
+          <a:stretch>
+            <a:fillRect/>
+          </a:stretch>
+        </p:blipFill>
+        <p:spPr>
+          <a:xfrm>
+            <a:off x="2205231" y="4089078"/>
+            <a:ext cx="1971675" cy="523875"/>
+          </a:xfrm>
+          <a:prstGeom prst="rect">
+            <a:avLst/>
+          </a:prstGeom>
+        </p:spPr>
+      </p:pic>
+      <p:pic>
+        <p:nvPicPr>
+          <p:cNvPr id="8" name="图片 7"/>
+          <p:cNvPicPr>
+            <a:picLocks noChangeAspect="1"/>
+          </p:cNvPicPr>
+          <p:nvPr/>
+        </p:nvPicPr>
+        <p:blipFill>
+          <a:blip r:embed="rId3"/>
+          <a:stretch>
+            <a:fillRect/>
+          </a:stretch>
+        </p:blipFill>
+        <p:spPr>
+          <a:xfrm>
+            <a:off x="2127188" y="4612520"/>
+            <a:ext cx="6343650" cy="914400"/>
+          </a:xfrm>
+          <a:prstGeom prst="rect">
+            <a:avLst/>
+          </a:prstGeom>
+        </p:spPr>
+      </p:pic>
+    </p:spTree>
+  </p:cSld>
+  <p:clrMapOvr>
+    <a:masterClrMapping/>
+  </p:clrMapOvr>
+  <mc:AlternateContent xmlns:mc="http://schemas.openxmlformats.org/markup-compatibility/2006">
+    <mc:Choice xmlns:p14="http://schemas.microsoft.com/office/powerpoint/2010/main" Requires="p14">
+      <p:transition spd="slow" p14:dur="2000"/>
+    </mc:Choice>
+    <mc:Fallback>
+      <p:transition spd="slow"/>
+    </mc:Fallback>
+  </mc:AlternateContent>
+</p:sld>
+</file>
+
+<file path=ppt/slides/slide3.xml><?xml version="1.0" encoding="utf-8"?>
+<p:sld xmlns:a="http://schemas.openxmlformats.org/drawingml/2006/main" xmlns:r="http://schemas.openxmlformats.org/officeDocument/2006/relationships" xmlns:p="http://schemas.openxmlformats.org/presentationml/2006/main">
+  <p:cSld>
+    <p:spTree>
+      <p:nvGrpSpPr>
+        <p:cNvPr id="1" name=""/>
+        <p:cNvGrpSpPr/>
+        <p:nvPr/>
+      </p:nvGrpSpPr>
+      <p:grpSpPr>
+        <a:xfrm>
+          <a:off x="0" y="0"/>
+          <a:ext cx="0" cy="0"/>
+          <a:chOff x="0" y="0"/>
+          <a:chExt cx="0" cy="0"/>
+        </a:xfrm>
+      </p:grpSpPr>
+      <p:sp>
+        <p:nvSpPr>
+          <p:cNvPr id="2" name="标题 1"/>
+          <p:cNvSpPr>
+            <a:spLocks noGrp="1"/>
+          </p:cNvSpPr>
+          <p:nvPr>
+            <p:ph type="title"/>
+          </p:nvPr>
+        </p:nvSpPr>
+        <p:spPr/>
+        <p:txBody>
+          <a:bodyPr/>
+          <a:lstStyle/>
+          <a:p>
+            <a:r>
+              <a:rPr lang="en-US" altLang="zh-CN" dirty="0"/>
+              <a:t>CB-MF</a:t>
+            </a:r>
+            <a:endParaRPr lang="zh-CN" altLang="en-US" dirty="0"/>
+          </a:p>
+        </p:txBody>
+      </p:sp>
+      <p:sp>
+        <p:nvSpPr>
+          <p:cNvPr id="3" name="内容占位符 2"/>
+          <p:cNvSpPr>
+            <a:spLocks noGrp="1"/>
+          </p:cNvSpPr>
+          <p:nvPr>
+            <p:ph sz="quarter" idx="13"/>
+          </p:nvPr>
+        </p:nvSpPr>
+        <p:spPr>
+          <a:xfrm>
+            <a:off x="579755" y="1663065"/>
+            <a:ext cx="10730230" cy="4750435"/>
+          </a:xfrm>
+        </p:spPr>
+        <p:txBody>
+          <a:bodyPr>
+            <a:normAutofit/>
+          </a:bodyPr>
+          <a:lstStyle/>
+          <a:p>
+            <a:pPr marL="0" indent="0" algn="just">
+              <a:buNone/>
+            </a:pPr>
+            <a:r>
+              <a:rPr lang="en-US" altLang="zh-CN" b="1" dirty="0"/>
+              <a:t>Motivation </a:t>
+            </a:r>
+            <a:r>
+              <a:rPr lang="en-US" altLang="zh-CN" dirty="0"/>
+              <a:t>: </a:t>
+            </a:r>
+            <a:endParaRPr lang="en-US" altLang="zh-CN" dirty="0"/>
+          </a:p>
+          <a:p>
+            <a:pPr marL="0" indent="0" algn="just">
+              <a:buNone/>
+            </a:pPr>
+            <a:r>
+              <a:rPr lang="en-US" altLang="zh-CN" dirty="0"/>
+              <a:t>CF approaches utilize follower-</a:t>
+            </a:r>
+            <a:r>
+              <a:rPr lang="en-US" altLang="zh-CN" dirty="0" err="1"/>
+              <a:t>followee</a:t>
+            </a:r>
+            <a:r>
+              <a:rPr lang="en-US" altLang="zh-CN" dirty="0"/>
+              <a:t> relationships lead to higher precision but data sparsity remains a challenge. Forming communities enables us to reduce data sparsity and focus on discovering the latent characteristics of communities instead of individuals. </a:t>
+            </a:r>
+            <a:endParaRPr lang="en-US" altLang="zh-CN" dirty="0"/>
+          </a:p>
+          <a:p>
+            <a:pPr algn="just"/>
+            <a:endParaRPr lang="en-US" altLang="zh-CN" dirty="0"/>
+          </a:p>
+          <a:p>
+            <a:pPr marL="0" indent="0">
+              <a:buNone/>
+            </a:pPr>
+            <a:r>
+              <a:rPr lang="en-US" altLang="zh-CN" b="1" dirty="0"/>
+              <a:t>Method </a:t>
+            </a:r>
+            <a:r>
+              <a:rPr lang="en-US" altLang="zh-CN" dirty="0"/>
+              <a:t>:</a:t>
+            </a:r>
+            <a:endParaRPr lang="en-US" altLang="zh-CN" dirty="0"/>
+          </a:p>
+          <a:p>
+            <a:pPr marL="914400" lvl="1" indent="-457200">
+              <a:buFont typeface="+mj-lt"/>
+              <a:buAutoNum type="arabicPeriod"/>
+            </a:pPr>
+            <a:r>
+              <a:rPr lang="en-US" altLang="zh-CN" dirty="0"/>
+              <a:t>utilize the LDA model to discover communities</a:t>
+            </a:r>
+            <a:endParaRPr lang="en-US" altLang="zh-CN" dirty="0"/>
+          </a:p>
+          <a:p>
+            <a:pPr marL="914400" lvl="1" indent="-457200">
+              <a:buFont typeface="+mj-lt"/>
+              <a:buAutoNum type="arabicPeriod"/>
+            </a:pPr>
+            <a:r>
+              <a:rPr lang="en-US" altLang="zh-CN" dirty="0"/>
+              <a:t>applied matrix factorization on each community found.</a:t>
+            </a:r>
+            <a:endParaRPr lang="zh-CN" altLang="en-US" dirty="0"/>
+          </a:p>
+        </p:txBody>
+      </p:sp>
+      <p:sp>
+        <p:nvSpPr>
+          <p:cNvPr id="4" name="灯片编号占位符 3"/>
+          <p:cNvSpPr>
+            <a:spLocks noGrp="1"/>
+          </p:cNvSpPr>
+          <p:nvPr>
+            <p:ph type="sldNum" sz="quarter" idx="12"/>
+          </p:nvPr>
+        </p:nvSpPr>
+        <p:spPr/>
+        <p:txBody>
+          <a:bodyPr/>
+          <a:lstStyle/>
+          <a:p>
+            <a:fld id="{96409989-9577-4FB1-8C63-5461CD5F732E}" type="slidenum">
+              <a:rPr lang="zh-CN" altLang="en-US" smtClean="0"/>
+            </a:fld>
+            <a:endParaRPr lang="zh-CN" altLang="en-US" dirty="0"/>
+          </a:p>
+        </p:txBody>
+      </p:sp>
+      <p:sp>
+        <p:nvSpPr>
+          <p:cNvPr id="5" name="页脚占位符 4"/>
+          <p:cNvSpPr>
+            <a:spLocks noGrp="1"/>
+          </p:cNvSpPr>
+          <p:nvPr>
+            <p:ph type="ftr" sz="quarter" idx="11"/>
+          </p:nvPr>
+        </p:nvSpPr>
+        <p:spPr/>
+        <p:txBody>
+          <a:bodyPr>
+            <a:normAutofit fontScale="40000"/>
+          </a:bodyPr>
+          <a:lstStyle/>
+          <a:p>
+            <a:r>
+              <a:rPr lang="en-US" altLang="zh-CN"/>
+              <a:t>Zhao G, Lee M L, Hsu W, et al. Community-based user recommendation in uni-directional social networks[C]//Proceedings of the 22nd ACM international conference on Information &amp; Knowledge Management. ACM, 2013: 189-198.</a:t>
+            </a:r>
+            <a:endParaRPr lang="zh-CN" altLang="en-US" dirty="0"/>
+          </a:p>
+        </p:txBody>
+      </p:sp>
+      <p:pic>
+        <p:nvPicPr>
+          <p:cNvPr id="15" name="图片 14"/>
+          <p:cNvPicPr>
+            <a:picLocks noChangeAspect="1"/>
+          </p:cNvPicPr>
+          <p:nvPr/>
+        </p:nvPicPr>
+        <p:blipFill>
+          <a:blip r:embed="rId1"/>
+          <a:stretch>
+            <a:fillRect/>
+          </a:stretch>
+        </p:blipFill>
+        <p:spPr>
+          <a:xfrm>
+            <a:off x="8591090" y="3429000"/>
+            <a:ext cx="2762709" cy="2660387"/>
+          </a:xfrm>
+          <a:prstGeom prst="rect">
+            <a:avLst/>
+          </a:prstGeom>
+        </p:spPr>
+      </p:pic>
+    </p:spTree>
+  </p:cSld>
+  <p:clrMapOvr>
+    <a:masterClrMapping/>
+  </p:clrMapOvr>
+  <mc:AlternateContent xmlns:mc="http://schemas.openxmlformats.org/markup-compatibility/2006">
+    <mc:Choice xmlns:p14="http://schemas.microsoft.com/office/powerpoint/2010/main" Requires="p14">
+      <p:transition spd="slow" p14:dur="2000"/>
+    </mc:Choice>
+    <mc:Fallback>
+      <p:transition spd="slow"/>
+    </mc:Fallback>
+  </mc:AlternateContent>
+</p:sld>
+</file>
+
+<file path=ppt/slides/slide4.xml><?xml version="1.0" encoding="utf-8"?>
+<p:sld xmlns:a="http://schemas.openxmlformats.org/drawingml/2006/main" xmlns:r="http://schemas.openxmlformats.org/officeDocument/2006/relationships" xmlns:p="http://schemas.openxmlformats.org/presentationml/2006/main">
+  <p:cSld>
+    <p:spTree>
+      <p:nvGrpSpPr>
+        <p:cNvPr id="1" name=""/>
+        <p:cNvGrpSpPr/>
+        <p:nvPr/>
+      </p:nvGrpSpPr>
+      <p:grpSpPr>
+        <a:xfrm>
+          <a:off x="0" y="0"/>
+          <a:ext cx="0" cy="0"/>
+          <a:chOff x="0" y="0"/>
+          <a:chExt cx="0" cy="0"/>
+        </a:xfrm>
+      </p:grpSpPr>
+      <p:sp>
+        <p:nvSpPr>
+          <p:cNvPr id="2" name="标题 1"/>
+          <p:cNvSpPr>
+            <a:spLocks noGrp="1"/>
+          </p:cNvSpPr>
+          <p:nvPr>
+            <p:ph type="title"/>
+          </p:nvPr>
+        </p:nvSpPr>
+        <p:spPr/>
+        <p:txBody>
+          <a:bodyPr/>
+          <a:lstStyle/>
+          <a:p>
+            <a:r>
+              <a:rPr lang="en-US" altLang="zh-CN" dirty="0"/>
+              <a:t>UIS-MF</a:t>
+            </a:r>
+            <a:endParaRPr lang="zh-CN" altLang="en-US" dirty="0"/>
+          </a:p>
+        </p:txBody>
+      </p:sp>
+      <p:sp>
+        <p:nvSpPr>
+          <p:cNvPr id="3" name="内容占位符 2"/>
+          <p:cNvSpPr>
+            <a:spLocks noGrp="1"/>
+          </p:cNvSpPr>
+          <p:nvPr>
+            <p:ph sz="quarter" idx="13"/>
+          </p:nvPr>
+        </p:nvSpPr>
+        <p:spPr>
+          <a:xfrm>
+            <a:off x="579755" y="1663065"/>
+            <a:ext cx="10730865" cy="4686935"/>
+          </a:xfrm>
+        </p:spPr>
+        <p:txBody>
+          <a:bodyPr>
+            <a:normAutofit/>
+          </a:bodyPr>
+          <a:lstStyle/>
+          <a:p>
+            <a:pPr marL="0" algn="just">
+              <a:buClrTx/>
+              <a:buSzTx/>
+              <a:buNone/>
+            </a:pPr>
+            <a:r>
+              <a:rPr lang="en-US" altLang="zh-CN" b="1" dirty="0"/>
+              <a:t>Motivation </a:t>
+            </a:r>
+            <a:r>
+              <a:rPr lang="en-US" altLang="zh-CN" dirty="0"/>
+              <a:t>: </a:t>
+            </a:r>
+            <a:endParaRPr lang="en-US" altLang="zh-CN" dirty="0"/>
+          </a:p>
+          <a:p>
+            <a:pPr marL="0" algn="just">
+              <a:buClrTx/>
+              <a:buSzTx/>
+              <a:buNone/>
+            </a:pPr>
+            <a:r>
+              <a:rPr lang="en-US" altLang="zh-CN" dirty="0"/>
+              <a:t>a  major  problem  of  existing  methods  is  that  they  assume  every  follower-followee  user  pairs  are  equally  likely,  and  this  leads  to  the  coarse  user  following  preferences  inferring.  Intuitively,  a  user’ s  adoption  of  others  as  </a:t>
+            </a:r>
+            <a:r>
+              <a:rPr lang="en-US" altLang="zh-CN" dirty="0"/>
+              <a:t>followees  may  be  motivated  by  her  interests  as  well  as  social  connections,  hence  a  good  recommender  should  be  able  to  separate  the  two  situations  and  take  both  factors  into  account  for  better  recommendation  results. </a:t>
+            </a:r>
+            <a:endParaRPr lang="en-US" altLang="zh-CN" dirty="0"/>
+          </a:p>
+          <a:p>
+            <a:pPr algn="just"/>
+            <a:endParaRPr lang="en-US" altLang="zh-CN" dirty="0"/>
+          </a:p>
+          <a:p>
+            <a:pPr marL="0" indent="0">
+              <a:buNone/>
+            </a:pPr>
+            <a:r>
+              <a:rPr lang="en-US" altLang="zh-CN" b="1" dirty="0"/>
+              <a:t>Method </a:t>
+            </a:r>
+            <a:r>
+              <a:rPr lang="en-US" altLang="zh-CN" dirty="0"/>
+              <a:t>:</a:t>
+            </a:r>
+            <a:endParaRPr lang="en-US" altLang="zh-CN" dirty="0"/>
+          </a:p>
+          <a:p>
+            <a:pPr marL="457200" lvl="1" indent="0">
+              <a:buNone/>
+            </a:pPr>
+            <a:r>
+              <a:rPr lang="en-US" altLang="zh-CN" b="1" dirty="0"/>
+              <a:t>Topic Extraction </a:t>
+            </a:r>
+            <a:r>
+              <a:rPr lang="zh-CN" altLang="en-US" b="1" dirty="0"/>
+              <a:t>： </a:t>
+            </a:r>
+            <a:r>
+              <a:rPr lang="en-US" altLang="zh-CN" dirty="0"/>
+              <a:t>UIS-LDA</a:t>
+            </a:r>
+            <a:endParaRPr lang="en-US" altLang="zh-CN" dirty="0"/>
+          </a:p>
+          <a:p>
+            <a:pPr marL="457200" lvl="1" indent="0">
+              <a:buNone/>
+            </a:pPr>
+            <a:r>
+              <a:rPr lang="en-US" altLang="zh-CN" b="1" dirty="0"/>
+              <a:t>User Recommendation </a:t>
+            </a:r>
+            <a:r>
+              <a:rPr lang="zh-CN" altLang="en-US" dirty="0"/>
+              <a:t>： </a:t>
+            </a:r>
+            <a:r>
+              <a:rPr lang="en-US" altLang="zh-CN" dirty="0"/>
+              <a:t>CB-methods</a:t>
+            </a:r>
+            <a:endParaRPr lang="en-US" altLang="zh-CN" dirty="0"/>
+          </a:p>
+        </p:txBody>
+      </p:sp>
+      <p:sp>
+        <p:nvSpPr>
+          <p:cNvPr id="4" name="灯片编号占位符 3"/>
+          <p:cNvSpPr>
+            <a:spLocks noGrp="1"/>
+          </p:cNvSpPr>
+          <p:nvPr>
+            <p:ph type="sldNum" sz="quarter" idx="12"/>
+          </p:nvPr>
+        </p:nvSpPr>
+        <p:spPr/>
+        <p:txBody>
+          <a:bodyPr/>
+          <a:lstStyle/>
+          <a:p>
+            <a:fld id="{96409989-9577-4FB1-8C63-5461CD5F732E}" type="slidenum">
+              <a:rPr lang="zh-CN" altLang="en-US" smtClean="0"/>
+            </a:fld>
+            <a:endParaRPr lang="zh-CN" altLang="en-US" dirty="0"/>
+          </a:p>
+        </p:txBody>
+      </p:sp>
+      <p:sp>
+        <p:nvSpPr>
+          <p:cNvPr id="5" name="页脚占位符 4"/>
+          <p:cNvSpPr>
+            <a:spLocks noGrp="1"/>
+          </p:cNvSpPr>
+          <p:nvPr>
+            <p:ph type="ftr" sz="quarter" idx="11"/>
+          </p:nvPr>
+        </p:nvSpPr>
+        <p:spPr/>
+        <p:txBody>
+          <a:bodyPr>
+            <a:normAutofit fontScale="50000"/>
+          </a:bodyPr>
+          <a:lstStyle/>
+          <a:p>
+            <a:r>
+              <a:rPr lang="en-US" altLang="zh-CN" dirty="0"/>
+              <a:t>Xu K, Zheng X, Cai Y, et al. Improving user recommendation by extracting social topics and interest topics of users in </a:t>
+            </a:r>
+            <a:r>
+              <a:rPr lang="en-US" altLang="zh-CN" dirty="0" err="1"/>
+              <a:t>uni</a:t>
+            </a:r>
+            <a:r>
+              <a:rPr lang="en-US" altLang="zh-CN" dirty="0"/>
+              <a:t>-directional social networks[J]. Knowledge-Based Systems, 2018, 140: 120-133.</a:t>
+            </a:r>
+            <a:endParaRPr lang="zh-CN" altLang="en-US" dirty="0"/>
+          </a:p>
+        </p:txBody>
+      </p:sp>
+    </p:spTree>
+  </p:cSld>
+  <p:clrMapOvr>
+    <a:masterClrMapping/>
+  </p:clrMapOvr>
+  <mc:AlternateContent xmlns:mc="http://schemas.openxmlformats.org/markup-compatibility/2006">
+    <mc:Choice xmlns:p14="http://schemas.microsoft.com/office/powerpoint/2010/main" Requires="p14">
+      <p:transition spd="slow" p14:dur="2000"/>
+    </mc:Choice>
+    <mc:Fallback>
+      <p:transition spd="slow"/>
+    </mc:Fallback>
+  </mc:AlternateContent>
+</p:sld>
+</file>
+
+<file path=ppt/slides/slide5.xml><?xml version="1.0" encoding="utf-8"?>
+<p:sld xmlns:a="http://schemas.openxmlformats.org/drawingml/2006/main" xmlns:r="http://schemas.openxmlformats.org/officeDocument/2006/relationships" xmlns:p="http://schemas.openxmlformats.org/presentationml/2006/main">
+  <p:cSld>
+    <p:spTree>
+      <p:nvGrpSpPr>
+        <p:cNvPr id="1" name=""/>
+        <p:cNvGrpSpPr/>
+        <p:nvPr/>
+      </p:nvGrpSpPr>
+      <p:grpSpPr>
+        <a:xfrm>
+          <a:off x="0" y="0"/>
+          <a:ext cx="0" cy="0"/>
+          <a:chOff x="0" y="0"/>
+          <a:chExt cx="0" cy="0"/>
+        </a:xfrm>
+      </p:grpSpPr>
+      <p:sp>
+        <p:nvSpPr>
+          <p:cNvPr id="2" name="标题 1"/>
+          <p:cNvSpPr>
+            <a:spLocks noGrp="1"/>
+          </p:cNvSpPr>
+          <p:nvPr>
+            <p:ph type="title"/>
+          </p:nvPr>
+        </p:nvSpPr>
+        <p:spPr/>
+        <p:txBody>
+          <a:bodyPr/>
+          <a:lstStyle/>
+          <a:p>
+            <a:r>
+              <a:rPr lang="en-US" altLang="zh-CN" dirty="0" err="1"/>
+              <a:t>DuLDA</a:t>
+            </a:r>
+            <a:r>
+              <a:rPr lang="en-US" altLang="zh-CN" dirty="0"/>
+              <a:t>-MF</a:t>
+            </a:r>
+            <a:endParaRPr lang="zh-CN" altLang="en-US" dirty="0"/>
+          </a:p>
+        </p:txBody>
+      </p:sp>
+      <p:sp>
+        <p:nvSpPr>
+          <p:cNvPr id="3" name="内容占位符 2"/>
+          <p:cNvSpPr>
+            <a:spLocks noGrp="1"/>
+          </p:cNvSpPr>
+          <p:nvPr>
+            <p:ph sz="quarter" idx="13"/>
+          </p:nvPr>
+        </p:nvSpPr>
+        <p:spPr>
+          <a:xfrm>
+            <a:off x="579755" y="1663065"/>
+            <a:ext cx="11612245" cy="5194300"/>
+          </a:xfrm>
+        </p:spPr>
+        <p:txBody>
+          <a:bodyPr>
+            <a:normAutofit/>
+          </a:bodyPr>
+          <a:lstStyle/>
+          <a:p>
+            <a:pPr marL="0" indent="0" algn="just">
+              <a:buNone/>
+            </a:pPr>
+            <a:r>
+              <a:rPr lang="en-US" altLang="zh-CN" b="1" dirty="0"/>
+              <a:t>Motivation </a:t>
+            </a:r>
+            <a:r>
+              <a:rPr lang="en-US" altLang="zh-CN" dirty="0"/>
+              <a:t>: </a:t>
+            </a:r>
+            <a:endParaRPr lang="en-US" altLang="zh-CN" dirty="0"/>
+          </a:p>
+          <a:p>
+            <a:pPr marL="0" indent="0" algn="just">
+              <a:buNone/>
+            </a:pPr>
+            <a:r>
+              <a:rPr lang="en-US" altLang="zh-CN" dirty="0"/>
+              <a:t>we are more likely to accept viewpoints from whom we trust. Trustee recommendation aims to provide a target individual with a list of candidate users she might be trust. However, most existing work on this topic for focuses on the use of </a:t>
+            </a:r>
+            <a:r>
+              <a:rPr lang="en-US" altLang="zh-CN" dirty="0" err="1"/>
+              <a:t>trusters</a:t>
+            </a:r>
+            <a:r>
+              <a:rPr lang="en-US" altLang="zh-CN" dirty="0"/>
+              <a:t>’ interest but ignores the influence of trustees for recommendation.</a:t>
+            </a:r>
+            <a:endParaRPr lang="en-US" altLang="zh-CN" dirty="0"/>
+          </a:p>
+          <a:p>
+            <a:pPr algn="just"/>
+            <a:endParaRPr lang="en-US" altLang="zh-CN" dirty="0"/>
+          </a:p>
+          <a:p>
+            <a:pPr marL="0" indent="0">
+              <a:buNone/>
+            </a:pPr>
+            <a:r>
+              <a:rPr lang="en-US" altLang="zh-CN" b="1" dirty="0"/>
+              <a:t>Method </a:t>
+            </a:r>
+            <a:r>
+              <a:rPr lang="en-US" altLang="zh-CN" dirty="0"/>
+              <a:t>:</a:t>
+            </a:r>
+            <a:endParaRPr lang="en-US" altLang="zh-CN" dirty="0"/>
+          </a:p>
+          <a:p>
+            <a:pPr lvl="1"/>
+            <a:r>
+              <a:rPr lang="en-US" altLang="zh-CN" b="1" dirty="0"/>
+              <a:t>Topic Extraction </a:t>
+            </a:r>
+            <a:r>
+              <a:rPr lang="zh-CN" altLang="en-US" b="1" dirty="0"/>
+              <a:t>： </a:t>
+            </a:r>
+            <a:r>
+              <a:rPr lang="en-US" altLang="zh-CN" dirty="0"/>
+              <a:t>introduce LDA twice on </a:t>
+            </a:r>
+            <a:r>
+              <a:rPr lang="en-US" altLang="zh-CN" dirty="0" err="1"/>
+              <a:t>truster</a:t>
+            </a:r>
+            <a:r>
+              <a:rPr lang="en-US" altLang="zh-CN" dirty="0"/>
+              <a:t>-documents corpus and trustee-documents corpus respectively to discover interest communities of users and influence communities of users.</a:t>
+            </a:r>
+            <a:endParaRPr lang="en-US" altLang="zh-CN" dirty="0"/>
+          </a:p>
+          <a:p>
+            <a:pPr lvl="1"/>
+            <a:r>
+              <a:rPr lang="en-US" altLang="zh-CN" b="1" dirty="0"/>
+              <a:t>User Recommendation </a:t>
+            </a:r>
+            <a:r>
+              <a:rPr lang="zh-CN" altLang="en-US" dirty="0"/>
+              <a:t>： </a:t>
+            </a:r>
+            <a:endParaRPr lang="en-US" altLang="zh-CN" dirty="0"/>
+          </a:p>
+        </p:txBody>
+      </p:sp>
+      <p:sp>
+        <p:nvSpPr>
+          <p:cNvPr id="4" name="灯片编号占位符 3"/>
+          <p:cNvSpPr>
+            <a:spLocks noGrp="1"/>
+          </p:cNvSpPr>
+          <p:nvPr>
+            <p:ph type="sldNum" sz="quarter" idx="12"/>
+          </p:nvPr>
+        </p:nvSpPr>
+        <p:spPr/>
+        <p:txBody>
+          <a:bodyPr/>
+          <a:lstStyle/>
+          <a:p>
+            <a:fld id="{96409989-9577-4FB1-8C63-5461CD5F732E}" type="slidenum">
+              <a:rPr lang="zh-CN" altLang="en-US" smtClean="0"/>
+            </a:fld>
+            <a:endParaRPr lang="zh-CN" altLang="en-US" dirty="0"/>
+          </a:p>
+        </p:txBody>
+      </p:sp>
+      <p:sp>
+        <p:nvSpPr>
+          <p:cNvPr id="5" name="页脚占位符 4"/>
+          <p:cNvSpPr>
+            <a:spLocks noGrp="1"/>
+          </p:cNvSpPr>
+          <p:nvPr>
+            <p:ph type="ftr" sz="quarter" idx="11"/>
+          </p:nvPr>
+        </p:nvSpPr>
+        <p:spPr/>
+        <p:txBody>
+          <a:bodyPr>
+            <a:normAutofit fontScale="50000"/>
+          </a:bodyPr>
+          <a:lstStyle/>
+          <a:p>
+            <a:r>
+              <a:rPr lang="en-US" altLang="zh-CN"/>
+              <a:t>Xu K, Cai Y, Min H, et al. Top-N Trustee Recommendation with Binary User Trust Feedback[C]//International Conference on Database Systems for Advanced Applications. Springer, Cham, 2018: 269-279.</a:t>
+            </a:r>
+            <a:endParaRPr lang="zh-CN" altLang="en-US" dirty="0"/>
+          </a:p>
+        </p:txBody>
+      </p:sp>
+      <p:pic>
+        <p:nvPicPr>
+          <p:cNvPr id="6" name="图片 5"/>
+          <p:cNvPicPr>
+            <a:picLocks noChangeAspect="1"/>
+          </p:cNvPicPr>
+          <p:nvPr/>
+        </p:nvPicPr>
+        <p:blipFill>
+          <a:blip r:embed="rId1"/>
+          <a:stretch>
+            <a:fillRect/>
+          </a:stretch>
+        </p:blipFill>
+        <p:spPr>
+          <a:xfrm>
+            <a:off x="1549289" y="5535466"/>
+            <a:ext cx="2776786" cy="528149"/>
+          </a:xfrm>
+          <a:prstGeom prst="rect">
+            <a:avLst/>
+          </a:prstGeom>
+        </p:spPr>
+      </p:pic>
+      <p:pic>
+        <p:nvPicPr>
+          <p:cNvPr id="8" name="图片 7"/>
+          <p:cNvPicPr>
+            <a:picLocks noChangeAspect="1"/>
+          </p:cNvPicPr>
+          <p:nvPr/>
+        </p:nvPicPr>
+        <p:blipFill>
+          <a:blip r:embed="rId2"/>
+          <a:stretch>
+            <a:fillRect/>
+          </a:stretch>
+        </p:blipFill>
+        <p:spPr>
+          <a:xfrm>
+            <a:off x="5554137" y="5196175"/>
+            <a:ext cx="4064899" cy="962983"/>
+          </a:xfrm>
+          <a:prstGeom prst="rect">
+            <a:avLst/>
+          </a:prstGeom>
+        </p:spPr>
+      </p:pic>
+    </p:spTree>
+  </p:cSld>
+  <p:clrMapOvr>
+    <a:masterClrMapping/>
+  </p:clrMapOvr>
+  <mc:AlternateContent xmlns:mc="http://schemas.openxmlformats.org/markup-compatibility/2006">
+    <mc:Choice xmlns:p14="http://schemas.microsoft.com/office/powerpoint/2010/main" Requires="p14">
+      <p:transition spd="slow" p14:dur="2000"/>
+    </mc:Choice>
+    <mc:Fallback>
+      <p:transition spd="slow"/>
+    </mc:Fallback>
+  </mc:AlternateContent>
+</p:sld>
+</file>
+
+<file path=ppt/slides/slide6.xml><?xml version="1.0" encoding="utf-8"?>
+<p:sld xmlns:a="http://schemas.openxmlformats.org/drawingml/2006/main" xmlns:r="http://schemas.openxmlformats.org/officeDocument/2006/relationships" xmlns:p="http://schemas.openxmlformats.org/presentationml/2006/main">
+  <p:cSld>
+    <p:spTree>
+      <p:nvGrpSpPr>
+        <p:cNvPr id="1" name=""/>
+        <p:cNvGrpSpPr/>
+        <p:nvPr/>
+      </p:nvGrpSpPr>
+      <p:grpSpPr>
+        <a:xfrm>
+          <a:off x="0" y="0"/>
+          <a:ext cx="0" cy="0"/>
+          <a:chOff x="0" y="0"/>
+          <a:chExt cx="0" cy="0"/>
+        </a:xfrm>
+      </p:grpSpPr>
+      <p:sp>
+        <p:nvSpPr>
+          <p:cNvPr id="2" name="标题 1"/>
+          <p:cNvSpPr>
+            <a:spLocks noGrp="1"/>
+          </p:cNvSpPr>
+          <p:nvPr>
+            <p:ph type="title"/>
+          </p:nvPr>
+        </p:nvSpPr>
+        <p:spPr/>
+        <p:txBody>
+          <a:bodyPr/>
+          <a:lstStyle/>
+          <a:p>
+            <a:r>
+              <a:rPr lang="en-US" altLang="zh-CN" dirty="0"/>
+              <a:t>BPR</a:t>
+            </a:r>
+            <a:endParaRPr lang="zh-CN" altLang="en-US" dirty="0"/>
+          </a:p>
+        </p:txBody>
+      </p:sp>
+      <p:sp>
+        <p:nvSpPr>
+          <p:cNvPr id="3" name="内容占位符 2"/>
+          <p:cNvSpPr>
+            <a:spLocks noGrp="1"/>
+          </p:cNvSpPr>
+          <p:nvPr>
+            <p:ph sz="quarter" idx="13"/>
+          </p:nvPr>
+        </p:nvSpPr>
+        <p:spPr>
+          <a:xfrm>
+            <a:off x="579755" y="1351915"/>
+            <a:ext cx="7178675" cy="3756025"/>
+          </a:xfrm>
+        </p:spPr>
+        <p:txBody>
+          <a:bodyPr/>
+          <a:lstStyle/>
+          <a:p>
+            <a:pPr marL="0" indent="0">
+              <a:buNone/>
+            </a:pPr>
+            <a:r>
+              <a:rPr lang="en-US" altLang="zh-CN" b="1" dirty="0"/>
+              <a:t>Motivation </a:t>
+            </a:r>
+            <a:r>
+              <a:rPr lang="en-US" altLang="zh-CN" dirty="0"/>
+              <a:t>:</a:t>
+            </a:r>
+            <a:endParaRPr lang="en-US" altLang="zh-CN" dirty="0"/>
+          </a:p>
+          <a:p>
+            <a:pPr marL="0" indent="0">
+              <a:buNone/>
+            </a:pPr>
+            <a:r>
+              <a:rPr lang="en-US" altLang="zh-CN" dirty="0"/>
+              <a:t>Existing methods are designed for the item prediction task of personalized ranking, none of them is directly optimized for ranking.</a:t>
             </a:r>
             <a:endParaRPr lang="en-US" altLang="zh-CN" dirty="0"/>
           </a:p>
@@ -8687,7 +10404,7 @@
         </p:blipFill>
         <p:spPr>
           <a:xfrm>
-            <a:off x="768985" y="5969635"/>
+            <a:off x="949960" y="5899150"/>
             <a:ext cx="3106420" cy="603250"/>
           </a:xfrm>
           <a:prstGeom prst="rect">
@@ -8711,7 +10428,7 @@
         </p:blipFill>
         <p:spPr>
           <a:xfrm>
-            <a:off x="1104900" y="3906679"/>
+            <a:off x="1094740" y="3765709"/>
             <a:ext cx="3286125" cy="2063002"/>
           </a:xfrm>
           <a:prstGeom prst="rect">
@@ -8735,7 +10452,7 @@
         </p:blipFill>
         <p:spPr>
           <a:xfrm>
-            <a:off x="7070725" y="2042795"/>
+            <a:off x="5443220" y="2785745"/>
             <a:ext cx="2974975" cy="3201670"/>
           </a:xfrm>
           <a:prstGeom prst="rect">
@@ -8762,7 +10479,7 @@
 </p:sld>
 </file>
 
-<file path=ppt/slides/slide2.xml><?xml version="1.0" encoding="utf-8"?>
+<file path=ppt/slides/slide7.xml><?xml version="1.0" encoding="utf-8"?>
 <p:sld xmlns:a="http://schemas.openxmlformats.org/drawingml/2006/main" xmlns:r="http://schemas.openxmlformats.org/officeDocument/2006/relationships" xmlns:p="http://schemas.openxmlformats.org/presentationml/2006/main">
   <p:cSld>
     <p:spTree>
@@ -8927,7 +10644,9 @@
                       </m:sSubPr>
                       <m:e>
                         <m:r>
-                          <a:rPr lang="en-US" altLang="zh-CN" b="0" dirty="0"/>
+                          <a:rPr lang="en-US" altLang="zh-CN" b="0" dirty="0">
+                            <a:latin typeface="Cambria Math" panose="02040503050406030204" charset="0"/>
+                          </a:rPr>
                           <m:t>𝑋</m:t>
                         </m:r>
                       </m:e>
@@ -8940,15 +10659,21 @@
                           </m:dPr>
                           <m:e>
                             <m:r>
-                              <a:rPr lang="en-US" altLang="zh-CN" b="0" dirty="0"/>
+                              <a:rPr lang="en-US" altLang="zh-CN" b="0" dirty="0">
+                                <a:latin typeface="Cambria Math" panose="02040503050406030204" charset="0"/>
+                              </a:rPr>
                               <m:t>𝑢</m:t>
                             </m:r>
                             <m:r>
-                              <a:rPr lang="en-US" altLang="zh-CN" b="0" dirty="0"/>
+                              <a:rPr lang="en-US" altLang="zh-CN" b="0" dirty="0">
+                                <a:latin typeface="Cambria Math" panose="02040503050406030204" charset="0"/>
+                              </a:rPr>
                               <m:t>,</m:t>
                             </m:r>
                             <m:r>
-                              <a:rPr lang="en-US" altLang="zh-CN" b="0" dirty="0"/>
+                              <a:rPr lang="en-US" altLang="zh-CN" b="0" dirty="0">
+                                <a:latin typeface="Cambria Math" panose="02040503050406030204" charset="0"/>
+                              </a:rPr>
                               <m:t>𝑖</m:t>
                             </m:r>
                           </m:e>
@@ -8956,11 +10681,15 @@
                       </m:sub>
                     </m:sSub>
                     <m:r>
-                      <a:rPr lang="en-US" altLang="zh-CN" dirty="0"/>
+                      <a:rPr lang="en-US" altLang="zh-CN" dirty="0">
+                        <a:latin typeface="Cambria Math" panose="02040503050406030204" charset="0"/>
+                      </a:rPr>
                       <m:t>≥</m:t>
                     </m:r>
                     <m:r>
-                      <a:rPr lang="en-US" altLang="zh-CN" b="0" dirty="0"/>
+                      <a:rPr lang="en-US" altLang="zh-CN" b="0" dirty="0">
+                        <a:latin typeface="Cambria Math" panose="02040503050406030204" charset="0"/>
+                      </a:rPr>
                       <m:t> </m:t>
                     </m:r>
                     <m:sSub>
@@ -8971,7 +10700,9 @@
                       </m:sSubPr>
                       <m:e>
                         <m:r>
-                          <a:rPr lang="en-US" altLang="zh-CN" dirty="0"/>
+                          <a:rPr lang="en-US" altLang="zh-CN" dirty="0">
+                            <a:latin typeface="Cambria Math" panose="02040503050406030204" charset="0"/>
+                          </a:rPr>
                           <m:t>𝑋</m:t>
                         </m:r>
                       </m:e>
@@ -8984,15 +10715,21 @@
                           </m:dPr>
                           <m:e>
                             <m:r>
-                              <a:rPr lang="en-US" altLang="zh-CN" dirty="0"/>
+                              <a:rPr lang="en-US" altLang="zh-CN" dirty="0">
+                                <a:latin typeface="Cambria Math" panose="02040503050406030204" charset="0"/>
+                              </a:rPr>
                               <m:t>𝑢</m:t>
                             </m:r>
                             <m:r>
-                              <a:rPr lang="en-US" altLang="zh-CN" dirty="0"/>
+                              <a:rPr lang="en-US" altLang="zh-CN" dirty="0">
+                                <a:latin typeface="Cambria Math" panose="02040503050406030204" charset="0"/>
+                              </a:rPr>
                               <m:t>,</m:t>
                             </m:r>
                             <m:r>
-                              <a:rPr lang="en-US" altLang="zh-CN" b="0" dirty="0"/>
+                              <a:rPr lang="en-US" altLang="zh-CN" b="0" dirty="0">
+                                <a:latin typeface="Cambria Math" panose="02040503050406030204" charset="0"/>
+                              </a:rPr>
                               <m:t>𝑗</m:t>
                             </m:r>
                           </m:e>
@@ -9015,7 +10752,9 @@
                       </m:sSubPr>
                       <m:e>
                         <m:r>
-                          <a:rPr lang="en-US" altLang="zh-CN" dirty="0"/>
+                          <a:rPr lang="en-US" altLang="zh-CN" dirty="0">
+                            <a:latin typeface="Cambria Math" panose="02040503050406030204" charset="0"/>
+                          </a:rPr>
                           <m:t>𝑋</m:t>
                         </m:r>
                       </m:e>
@@ -9028,15 +10767,21 @@
                           </m:dPr>
                           <m:e>
                             <m:r>
-                              <a:rPr lang="en-US" altLang="zh-CN" dirty="0"/>
+                              <a:rPr lang="en-US" altLang="zh-CN" dirty="0">
+                                <a:latin typeface="Cambria Math" panose="02040503050406030204" charset="0"/>
+                              </a:rPr>
                               <m:t>𝑢</m:t>
                             </m:r>
                             <m:r>
-                              <a:rPr lang="en-US" altLang="zh-CN" dirty="0"/>
+                              <a:rPr lang="en-US" altLang="zh-CN" dirty="0">
+                                <a:latin typeface="Cambria Math" panose="02040503050406030204" charset="0"/>
+                              </a:rPr>
                               <m:t>,</m:t>
                             </m:r>
                             <m:r>
-                              <a:rPr lang="en-US" altLang="zh-CN" b="0" dirty="0"/>
+                              <a:rPr lang="en-US" altLang="zh-CN" b="0" dirty="0">
+                                <a:latin typeface="Cambria Math" panose="02040503050406030204" charset="0"/>
+                              </a:rPr>
                               <m:t>𝑘</m:t>
                             </m:r>
                           </m:e>
@@ -9044,7 +10789,9 @@
                       </m:sub>
                     </m:sSub>
                     <m:r>
-                      <a:rPr lang="en-US" altLang="zh-CN" dirty="0"/>
+                      <a:rPr lang="en-US" altLang="zh-CN" dirty="0">
+                        <a:latin typeface="Cambria Math" panose="02040503050406030204" charset="0"/>
+                      </a:rPr>
                       <m:t>≥ </m:t>
                     </m:r>
                     <m:sSub>
@@ -9055,7 +10802,9 @@
                       </m:sSubPr>
                       <m:e>
                         <m:r>
-                          <a:rPr lang="en-US" altLang="zh-CN" dirty="0"/>
+                          <a:rPr lang="en-US" altLang="zh-CN" dirty="0">
+                            <a:latin typeface="Cambria Math" panose="02040503050406030204" charset="0"/>
+                          </a:rPr>
                           <m:t>𝑋</m:t>
                         </m:r>
                       </m:e>
@@ -9068,15 +10817,21 @@
                           </m:dPr>
                           <m:e>
                             <m:r>
-                              <a:rPr lang="en-US" altLang="zh-CN" dirty="0"/>
+                              <a:rPr lang="en-US" altLang="zh-CN" dirty="0">
+                                <a:latin typeface="Cambria Math" panose="02040503050406030204" charset="0"/>
+                              </a:rPr>
                               <m:t>𝑢</m:t>
                             </m:r>
                             <m:r>
-                              <a:rPr lang="en-US" altLang="zh-CN" dirty="0"/>
+                              <a:rPr lang="en-US" altLang="zh-CN" dirty="0">
+                                <a:latin typeface="Cambria Math" panose="02040503050406030204" charset="0"/>
+                              </a:rPr>
                               <m:t>,</m:t>
                             </m:r>
                             <m:r>
-                              <a:rPr lang="en-US" altLang="zh-CN" b="0" dirty="0"/>
+                              <a:rPr lang="en-US" altLang="zh-CN" b="0" dirty="0">
+                                <a:latin typeface="Cambria Math" panose="02040503050406030204" charset="0"/>
+                              </a:rPr>
                               <m:t>𝑗</m:t>
                             </m:r>
                           </m:e>
@@ -9199,7 +10954,7 @@
 </p:sld>
 </file>
 
-<file path=ppt/slides/slide3.xml><?xml version="1.0" encoding="utf-8"?>
+<file path=ppt/slides/slide8.xml><?xml version="1.0" encoding="utf-8"?>
 <p:sld xmlns:a="http://schemas.openxmlformats.org/drawingml/2006/main" xmlns:r="http://schemas.openxmlformats.org/officeDocument/2006/relationships" xmlns:p="http://schemas.openxmlformats.org/presentationml/2006/main">
   <p:cSld>
     <p:spTree>
@@ -9394,7 +11149,9 @@
                       </m:sSubPr>
                       <m:e>
                         <m:r>
-                          <a:rPr lang="en-US" altLang="zh-CN" b="0" dirty="0"/>
+                          <a:rPr lang="en-US" altLang="zh-CN" b="0" dirty="0">
+                            <a:latin typeface="Cambria Math" panose="02040503050406030204" charset="0"/>
+                          </a:rPr>
                           <m:t>𝑋</m:t>
                         </m:r>
                       </m:e>
@@ -9407,15 +11164,21 @@
                           </m:dPr>
                           <m:e>
                             <m:r>
-                              <a:rPr lang="en-US" altLang="zh-CN" b="0" dirty="0"/>
+                              <a:rPr lang="en-US" altLang="zh-CN" b="0" dirty="0">
+                                <a:latin typeface="Cambria Math" panose="02040503050406030204" charset="0"/>
+                              </a:rPr>
                               <m:t>𝑢</m:t>
                             </m:r>
                             <m:r>
-                              <a:rPr lang="en-US" altLang="zh-CN" b="0" dirty="0"/>
+                              <a:rPr lang="en-US" altLang="zh-CN" b="0" dirty="0">
+                                <a:latin typeface="Cambria Math" panose="02040503050406030204" charset="0"/>
+                              </a:rPr>
                               <m:t>,</m:t>
                             </m:r>
                             <m:r>
-                              <a:rPr lang="en-US" altLang="zh-CN" b="0" dirty="0"/>
+                              <a:rPr lang="en-US" altLang="zh-CN" b="0" dirty="0">
+                                <a:latin typeface="Cambria Math" panose="02040503050406030204" charset="0"/>
+                              </a:rPr>
                               <m:t>𝑖</m:t>
                             </m:r>
                           </m:e>
@@ -9423,11 +11186,15 @@
                       </m:sub>
                     </m:sSub>
                     <m:r>
-                      <a:rPr lang="en-US" altLang="zh-CN" dirty="0"/>
+                      <a:rPr lang="en-US" altLang="zh-CN" dirty="0">
+                        <a:latin typeface="Cambria Math" panose="02040503050406030204" charset="0"/>
+                      </a:rPr>
                       <m:t>≥</m:t>
                     </m:r>
                     <m:r>
-                      <a:rPr lang="en-US" altLang="zh-CN" b="0" dirty="0"/>
+                      <a:rPr lang="en-US" altLang="zh-CN" b="0" dirty="0">
+                        <a:latin typeface="Cambria Math" panose="02040503050406030204" charset="0"/>
+                      </a:rPr>
                       <m:t> </m:t>
                     </m:r>
                     <m:sSub>
@@ -9438,7 +11205,9 @@
                       </m:sSubPr>
                       <m:e>
                         <m:r>
-                          <a:rPr lang="en-US" altLang="zh-CN" dirty="0"/>
+                          <a:rPr lang="en-US" altLang="zh-CN" dirty="0">
+                            <a:latin typeface="Cambria Math" panose="02040503050406030204" charset="0"/>
+                          </a:rPr>
                           <m:t>𝑋</m:t>
                         </m:r>
                       </m:e>
@@ -9451,18 +11220,24 @@
                           </m:dPr>
                           <m:e>
                             <m:r>
-                              <a:rPr lang="en-US" altLang="zh-CN" dirty="0"/>
+                              <a:rPr lang="en-US" altLang="zh-CN" dirty="0">
+                                <a:latin typeface="Cambria Math" panose="02040503050406030204" charset="0"/>
+                              </a:rPr>
                               <m:t>𝑢</m:t>
                             </m:r>
                             <m:r>
-                              <a:rPr lang="en-US" altLang="zh-CN" dirty="0"/>
+                              <a:rPr lang="en-US" altLang="zh-CN" dirty="0">
+                                <a:latin typeface="Cambria Math" panose="02040503050406030204" charset="0"/>
+                              </a:rPr>
                               <m:t>,</m:t>
                             </m:r>
                             <m:r>
                               <m:rPr>
                                 <m:sty m:val="p"/>
                               </m:rPr>
-                              <a:rPr lang="en-US" altLang="zh-CN" dirty="0"/>
+                              <a:rPr lang="en-US" altLang="zh-CN" dirty="0">
+                                <a:latin typeface="Cambria Math" panose="02040503050406030204" charset="0"/>
+                              </a:rPr>
                               <m:t>k</m:t>
                             </m:r>
                           </m:e>
@@ -9485,7 +11260,9 @@
                       </m:sSubPr>
                       <m:e>
                         <m:r>
-                          <a:rPr lang="en-US" altLang="zh-CN" dirty="0"/>
+                          <a:rPr lang="en-US" altLang="zh-CN" dirty="0">
+                            <a:latin typeface="Cambria Math" panose="02040503050406030204" charset="0"/>
+                          </a:rPr>
                           <m:t>𝑋</m:t>
                         </m:r>
                       </m:e>
@@ -9498,15 +11275,21 @@
                           </m:dPr>
                           <m:e>
                             <m:r>
-                              <a:rPr lang="en-US" altLang="zh-CN" dirty="0"/>
+                              <a:rPr lang="en-US" altLang="zh-CN" dirty="0">
+                                <a:latin typeface="Cambria Math" panose="02040503050406030204" charset="0"/>
+                              </a:rPr>
                               <m:t>𝑢</m:t>
                             </m:r>
                             <m:r>
-                              <a:rPr lang="en-US" altLang="zh-CN" dirty="0"/>
+                              <a:rPr lang="en-US" altLang="zh-CN" dirty="0">
+                                <a:latin typeface="Cambria Math" panose="02040503050406030204" charset="0"/>
+                              </a:rPr>
                               <m:t>,</m:t>
                             </m:r>
                             <m:r>
-                              <a:rPr lang="en-US" altLang="zh-CN" dirty="0"/>
+                              <a:rPr lang="en-US" altLang="zh-CN" dirty="0">
+                                <a:latin typeface="Cambria Math" panose="02040503050406030204" charset="0"/>
+                              </a:rPr>
                               <m:t>𝑖</m:t>
                             </m:r>
                           </m:e>
@@ -9514,7 +11297,9 @@
                       </m:sub>
                     </m:sSub>
                     <m:r>
-                      <a:rPr lang="en-US" altLang="zh-CN" dirty="0"/>
+                      <a:rPr lang="en-US" altLang="zh-CN" dirty="0">
+                        <a:latin typeface="Cambria Math" panose="02040503050406030204" charset="0"/>
+                      </a:rPr>
                       <m:t>≥ </m:t>
                     </m:r>
                     <m:sSub>
@@ -9525,7 +11310,9 @@
                       </m:sSubPr>
                       <m:e>
                         <m:r>
-                          <a:rPr lang="en-US" altLang="zh-CN" dirty="0"/>
+                          <a:rPr lang="en-US" altLang="zh-CN" dirty="0">
+                            <a:latin typeface="Cambria Math" panose="02040503050406030204" charset="0"/>
+                          </a:rPr>
                           <m:t>𝑋</m:t>
                         </m:r>
                       </m:e>
@@ -9538,15 +11325,21 @@
                           </m:dPr>
                           <m:e>
                             <m:r>
-                              <a:rPr lang="en-US" altLang="zh-CN" dirty="0"/>
+                              <a:rPr lang="en-US" altLang="zh-CN" dirty="0">
+                                <a:latin typeface="Cambria Math" panose="02040503050406030204" charset="0"/>
+                              </a:rPr>
                               <m:t>𝑢</m:t>
                             </m:r>
                             <m:r>
-                              <a:rPr lang="en-US" altLang="zh-CN" dirty="0"/>
+                              <a:rPr lang="en-US" altLang="zh-CN" dirty="0">
+                                <a:latin typeface="Cambria Math" panose="02040503050406030204" charset="0"/>
+                              </a:rPr>
                               <m:t>,</m:t>
                             </m:r>
                             <m:r>
-                              <a:rPr lang="en-US" altLang="zh-CN" b="0" dirty="0"/>
+                              <a:rPr lang="en-US" altLang="zh-CN" b="0" dirty="0">
+                                <a:latin typeface="Cambria Math" panose="02040503050406030204" charset="0"/>
+                              </a:rPr>
                               <m:t>𝑠</m:t>
                             </m:r>
                           </m:e>
@@ -9554,7 +11347,9 @@
                       </m:sub>
                     </m:sSub>
                     <m:r>
-                      <a:rPr lang="en-US" altLang="zh-CN" b="0" i="0" dirty="0"/>
+                      <a:rPr lang="en-US" altLang="zh-CN" b="0" i="0" dirty="0">
+                        <a:latin typeface="Cambria Math" panose="02040503050406030204" charset="0"/>
+                      </a:rPr>
                       <m:t> </m:t>
                     </m:r>
                   </m:oMath>
@@ -9573,7 +11368,9 @@
                       </m:sSubPr>
                       <m:e>
                         <m:r>
-                          <a:rPr lang="en-US" altLang="zh-CN" dirty="0"/>
+                          <a:rPr lang="en-US" altLang="zh-CN" dirty="0">
+                            <a:latin typeface="Cambria Math" panose="02040503050406030204" charset="0"/>
+                          </a:rPr>
                           <m:t>𝑋</m:t>
                         </m:r>
                       </m:e>
@@ -9586,15 +11383,21 @@
                           </m:dPr>
                           <m:e>
                             <m:r>
-                              <a:rPr lang="en-US" altLang="zh-CN" dirty="0"/>
+                              <a:rPr lang="en-US" altLang="zh-CN" dirty="0">
+                                <a:latin typeface="Cambria Math" panose="02040503050406030204" charset="0"/>
+                              </a:rPr>
                               <m:t>𝑢</m:t>
                             </m:r>
                             <m:r>
-                              <a:rPr lang="en-US" altLang="zh-CN" dirty="0"/>
+                              <a:rPr lang="en-US" altLang="zh-CN" dirty="0">
+                                <a:latin typeface="Cambria Math" panose="02040503050406030204" charset="0"/>
+                              </a:rPr>
                               <m:t>,</m:t>
                             </m:r>
                             <m:r>
-                              <a:rPr lang="en-US" altLang="zh-CN" b="0" dirty="0"/>
+                              <a:rPr lang="en-US" altLang="zh-CN" b="0" dirty="0">
+                                <a:latin typeface="Cambria Math" panose="02040503050406030204" charset="0"/>
+                              </a:rPr>
                               <m:t>𝑘</m:t>
                             </m:r>
                           </m:e>
@@ -9602,7 +11405,9 @@
                       </m:sub>
                     </m:sSub>
                     <m:r>
-                      <a:rPr lang="en-US" altLang="zh-CN" dirty="0"/>
+                      <a:rPr lang="en-US" altLang="zh-CN" dirty="0">
+                        <a:latin typeface="Cambria Math" panose="02040503050406030204" charset="0"/>
+                      </a:rPr>
                       <m:t>≥ </m:t>
                     </m:r>
                     <m:sSub>
@@ -9613,7 +11418,9 @@
                       </m:sSubPr>
                       <m:e>
                         <m:r>
-                          <a:rPr lang="en-US" altLang="zh-CN" dirty="0"/>
+                          <a:rPr lang="en-US" altLang="zh-CN" dirty="0">
+                            <a:latin typeface="Cambria Math" panose="02040503050406030204" charset="0"/>
+                          </a:rPr>
                           <m:t>𝑋</m:t>
                         </m:r>
                       </m:e>
@@ -9626,15 +11433,21 @@
                           </m:dPr>
                           <m:e>
                             <m:r>
-                              <a:rPr lang="en-US" altLang="zh-CN" dirty="0"/>
+                              <a:rPr lang="en-US" altLang="zh-CN" dirty="0">
+                                <a:latin typeface="Cambria Math" panose="02040503050406030204" charset="0"/>
+                              </a:rPr>
                               <m:t>𝑢</m:t>
                             </m:r>
                             <m:r>
-                              <a:rPr lang="en-US" altLang="zh-CN" dirty="0"/>
+                              <a:rPr lang="en-US" altLang="zh-CN" dirty="0">
+                                <a:latin typeface="Cambria Math" panose="02040503050406030204" charset="0"/>
+                              </a:rPr>
                               <m:t>,</m:t>
                             </m:r>
                             <m:r>
-                              <a:rPr lang="en-US" altLang="zh-CN" b="0" dirty="0"/>
+                              <a:rPr lang="en-US" altLang="zh-CN" b="0" dirty="0">
+                                <a:latin typeface="Cambria Math" panose="02040503050406030204" charset="0"/>
+                              </a:rPr>
                               <m:t>𝑗</m:t>
                             </m:r>
                           </m:e>
@@ -9749,7 +11562,7 @@
 </p:sld>
 </file>
 
-<file path=ppt/slides/slide4.xml><?xml version="1.0" encoding="utf-8"?>
+<file path=ppt/slides/slide9.xml><?xml version="1.0" encoding="utf-8"?>
 <p:sld xmlns:a="http://schemas.openxmlformats.org/drawingml/2006/main" xmlns:r="http://schemas.openxmlformats.org/officeDocument/2006/relationships" xmlns:p="http://schemas.openxmlformats.org/presentationml/2006/main">
   <p:cSld>
     <p:spTree>
@@ -10167,344 +11980,6 @@
       </p:par>
     </p:tnLst>
   </p:timing>
-</p:sld>
-</file>
-
-<file path=ppt/slides/slide5.xml><?xml version="1.0" encoding="utf-8"?>
-<p:sld xmlns:a="http://schemas.openxmlformats.org/drawingml/2006/main" xmlns:r="http://schemas.openxmlformats.org/officeDocument/2006/relationships" xmlns:p="http://schemas.openxmlformats.org/presentationml/2006/main">
-  <p:cSld>
-    <p:spTree>
-      <p:nvGrpSpPr>
-        <p:cNvPr id="1" name=""/>
-        <p:cNvGrpSpPr/>
-        <p:nvPr/>
-      </p:nvGrpSpPr>
-      <p:grpSpPr>
-        <a:xfrm>
-          <a:off x="0" y="0"/>
-          <a:ext cx="0" cy="0"/>
-          <a:chOff x="0" y="0"/>
-          <a:chExt cx="0" cy="0"/>
-        </a:xfrm>
-      </p:grpSpPr>
-      <p:sp>
-        <p:nvSpPr>
-          <p:cNvPr id="2" name="标题 1"/>
-          <p:cNvSpPr>
-            <a:spLocks noGrp="1"/>
-          </p:cNvSpPr>
-          <p:nvPr>
-            <p:ph type="title"/>
-          </p:nvPr>
-        </p:nvSpPr>
-        <p:spPr/>
-        <p:txBody>
-          <a:bodyPr/>
-          <a:lstStyle/>
-          <a:p>
-            <a:r>
-              <a:rPr lang="en-US" altLang="zh-CN" dirty="0"/>
-              <a:t>PRM</a:t>
-            </a:r>
-            <a:endParaRPr lang="en-US" altLang="zh-CN" dirty="0"/>
-          </a:p>
-        </p:txBody>
-      </p:sp>
-      <p:sp>
-        <p:nvSpPr>
-          <p:cNvPr id="3" name="内容占位符 2"/>
-          <p:cNvSpPr>
-            <a:spLocks noGrp="1"/>
-          </p:cNvSpPr>
-          <p:nvPr>
-            <p:ph sz="quarter" idx="13"/>
-          </p:nvPr>
-        </p:nvSpPr>
-        <p:spPr>
-          <a:xfrm>
-            <a:off x="579755" y="998855"/>
-            <a:ext cx="10625455" cy="5350510"/>
-          </a:xfrm>
-        </p:spPr>
-        <p:txBody>
-          <a:bodyPr>
-            <a:normAutofit lnSpcReduction="20000"/>
-          </a:bodyPr>
-          <a:lstStyle/>
-          <a:p>
-            <a:pPr marL="0" indent="0" algn="just">
-              <a:buNone/>
-            </a:pPr>
-            <a:r>
-              <a:rPr lang="en-US" altLang="zh-CN" b="1" dirty="0"/>
-              <a:t>Motivation </a:t>
-            </a:r>
-            <a:r>
-              <a:rPr lang="en-US" altLang="zh-CN" dirty="0"/>
-              <a:t>: </a:t>
-            </a:r>
-            <a:endParaRPr lang="en-US" altLang="zh-CN" dirty="0"/>
-          </a:p>
-          <a:p>
-            <a:pPr marL="0" algn="just">
-              <a:buClrTx/>
-              <a:buSzTx/>
-              <a:buNone/>
-            </a:pPr>
-            <a:r>
-              <a:rPr lang="en-US" altLang="zh-CN" dirty="0"/>
-              <a:t>Typically, a rankingfunction is learned from the labeled dataset to optimize the globalperformance, which produces a ranking score for each individualitem. However, it may be sub-optimal because the scoring functionapplies to each item individually and does not explicitly considerthe mutual in uence between items, as well as the di erences of users’ preferences or intents.</a:t>
-            </a:r>
-            <a:endParaRPr lang="en-US" altLang="zh-CN" dirty="0"/>
-          </a:p>
-          <a:p>
-            <a:pPr marL="0" indent="0" algn="just">
-              <a:buNone/>
-            </a:pPr>
-            <a:r>
-              <a:rPr lang="en-US" altLang="zh-CN" b="1" dirty="0"/>
-              <a:t>Method </a:t>
-            </a:r>
-            <a:r>
-              <a:rPr lang="en-US" altLang="zh-CN" dirty="0"/>
-              <a:t>:</a:t>
-            </a:r>
-            <a:endParaRPr lang="en-US" altLang="zh-CN" dirty="0"/>
-          </a:p>
-          <a:p>
-            <a:pPr lvl="1"/>
-            <a:r>
-              <a:rPr lang="en-US" altLang="zh-CN" dirty="0"/>
-              <a:t>new loss </a:t>
-            </a:r>
-            <a:r>
-              <a:rPr lang="en-US" altLang="zh-CN" dirty="0"/>
-              <a:t>based in LTR:</a:t>
-            </a:r>
-            <a:endParaRPr lang="en-US" altLang="zh-CN" dirty="0"/>
-          </a:p>
-          <a:p>
-            <a:pPr lvl="1"/>
-            <a:endParaRPr lang="en-US" altLang="zh-CN" dirty="0"/>
-          </a:p>
-          <a:p>
-            <a:pPr lvl="1"/>
-            <a:r>
-              <a:rPr lang="en-US" altLang="zh-CN" dirty="0"/>
-              <a:t>input</a:t>
-            </a:r>
-            <a:r>
-              <a:rPr lang="zh-CN" altLang="en-US" dirty="0"/>
-              <a:t>：</a:t>
-            </a:r>
-            <a:endParaRPr lang="zh-CN" altLang="en-US" dirty="0"/>
-          </a:p>
-          <a:p>
-            <a:pPr lvl="1"/>
-            <a:endParaRPr lang="zh-CN" altLang="en-US" dirty="0"/>
-          </a:p>
-          <a:p>
-            <a:pPr lvl="1"/>
-            <a:endParaRPr lang="zh-CN" altLang="en-US" dirty="0"/>
-          </a:p>
-          <a:p>
-            <a:pPr lvl="1"/>
-            <a:r>
-              <a:rPr lang="en-US" altLang="zh-CN" dirty="0"/>
-              <a:t>PV</a:t>
-            </a:r>
-            <a:r>
-              <a:rPr lang="zh-CN" altLang="en-US" dirty="0"/>
-              <a:t>：</a:t>
-            </a:r>
-            <a:endParaRPr lang="zh-CN" altLang="en-US" dirty="0"/>
-          </a:p>
-        </p:txBody>
-      </p:sp>
-      <p:sp>
-        <p:nvSpPr>
-          <p:cNvPr id="4" name="灯片编号占位符 3"/>
-          <p:cNvSpPr>
-            <a:spLocks noGrp="1"/>
-          </p:cNvSpPr>
-          <p:nvPr>
-            <p:ph type="sldNum" sz="quarter" idx="12"/>
-          </p:nvPr>
-        </p:nvSpPr>
-        <p:spPr/>
-        <p:txBody>
-          <a:bodyPr/>
-          <a:lstStyle/>
-          <a:p>
-            <a:fld id="{96409989-9577-4FB1-8C63-5461CD5F732E}" type="slidenum">
-              <a:rPr lang="zh-CN" altLang="en-US" smtClean="0"/>
-            </a:fld>
-            <a:endParaRPr lang="zh-CN" altLang="en-US" dirty="0"/>
-          </a:p>
-        </p:txBody>
-      </p:sp>
-      <p:sp>
-        <p:nvSpPr>
-          <p:cNvPr id="5" name="页脚占位符 4"/>
-          <p:cNvSpPr>
-            <a:spLocks noGrp="1"/>
-          </p:cNvSpPr>
-          <p:nvPr>
-            <p:ph type="ftr" sz="quarter" idx="11"/>
-          </p:nvPr>
-        </p:nvSpPr>
-        <p:spPr/>
-        <p:txBody>
-          <a:bodyPr>
-            <a:normAutofit fontScale="60000"/>
-          </a:bodyPr>
-          <a:lstStyle/>
-          <a:p>
-            <a:r>
-              <a:rPr lang="en-US" altLang="zh-CN" dirty="0"/>
-              <a:t>Xu, Y.; Xu, K.; Cai, Y.; Min, H. Leveraging Distrust Relations to Improve Bayesian Personalized Ranking. </a:t>
-            </a:r>
-            <a:r>
-              <a:rPr lang="en-US" altLang="zh-CN" i="1" dirty="0"/>
-              <a:t>Information</a:t>
-            </a:r>
-            <a:r>
-              <a:rPr lang="en-US" altLang="zh-CN" dirty="0"/>
-              <a:t> </a:t>
-            </a:r>
-            <a:r>
-              <a:rPr lang="en-US" altLang="zh-CN" b="1" dirty="0"/>
-              <a:t>2018</a:t>
-            </a:r>
-            <a:r>
-              <a:rPr lang="en-US" altLang="zh-CN" dirty="0"/>
-              <a:t>, </a:t>
-            </a:r>
-            <a:r>
-              <a:rPr lang="en-US" altLang="zh-CN" i="1" dirty="0"/>
-              <a:t>9</a:t>
-            </a:r>
-            <a:r>
-              <a:rPr lang="en-US" altLang="zh-CN" dirty="0"/>
-              <a:t>, 191.</a:t>
-            </a:r>
-            <a:endParaRPr lang="zh-CN" altLang="en-US" dirty="0"/>
-          </a:p>
-        </p:txBody>
-      </p:sp>
-      <p:pic>
-        <p:nvPicPr>
-          <p:cNvPr id="101" name="图片 100"/>
-          <p:cNvPicPr/>
-          <p:nvPr/>
-        </p:nvPicPr>
-        <p:blipFill>
-          <a:blip r:link="rId1"/>
-          <a:stretch>
-            <a:fillRect/>
-          </a:stretch>
-        </p:blipFill>
-        <p:spPr>
-          <a:xfrm>
-            <a:off x="3912870" y="3346450"/>
-            <a:ext cx="3959860" cy="625475"/>
-          </a:xfrm>
-          <a:prstGeom prst="rect">
-            <a:avLst/>
-          </a:prstGeom>
-          <a:noFill/>
-          <a:ln w="9525">
-            <a:noFill/>
-          </a:ln>
-        </p:spPr>
-      </p:pic>
-      <p:pic>
-        <p:nvPicPr>
-          <p:cNvPr id="7" name="图片 6"/>
-          <p:cNvPicPr>
-            <a:picLocks noChangeAspect="1"/>
-          </p:cNvPicPr>
-          <p:nvPr/>
-        </p:nvPicPr>
-        <p:blipFill>
-          <a:blip r:embed="rId2"/>
-          <a:stretch>
-            <a:fillRect/>
-          </a:stretch>
-        </p:blipFill>
-        <p:spPr>
-          <a:xfrm>
-            <a:off x="7974965" y="3710305"/>
-            <a:ext cx="3505200" cy="2266950"/>
-          </a:xfrm>
-          <a:prstGeom prst="rect">
-            <a:avLst/>
-          </a:prstGeom>
-        </p:spPr>
-      </p:pic>
-      <p:pic>
-        <p:nvPicPr>
-          <p:cNvPr id="103" name="图片 102"/>
-          <p:cNvPicPr/>
-          <p:nvPr/>
-        </p:nvPicPr>
-        <p:blipFill>
-          <a:blip r:link="rId3"/>
-          <a:stretch>
-            <a:fillRect/>
-          </a:stretch>
-        </p:blipFill>
-        <p:spPr>
-          <a:xfrm>
-            <a:off x="2347595" y="4055110"/>
-            <a:ext cx="1300480" cy="1019175"/>
-          </a:xfrm>
-          <a:prstGeom prst="rect">
-            <a:avLst/>
-          </a:prstGeom>
-          <a:noFill/>
-          <a:ln w="9525">
-            <a:noFill/>
-          </a:ln>
-        </p:spPr>
-      </p:pic>
-      <p:pic>
-        <p:nvPicPr>
-          <p:cNvPr id="8" name="图片 7"/>
-          <p:cNvPicPr>
-            <a:picLocks noChangeAspect="1"/>
-          </p:cNvPicPr>
-          <p:nvPr/>
-        </p:nvPicPr>
-        <p:blipFill>
-          <a:blip r:embed="rId4"/>
-          <a:stretch>
-            <a:fillRect/>
-          </a:stretch>
-        </p:blipFill>
-        <p:spPr>
-          <a:xfrm>
-            <a:off x="2042795" y="5074285"/>
-            <a:ext cx="904240" cy="1704340"/>
-          </a:xfrm>
-          <a:prstGeom prst="rect">
-            <a:avLst/>
-          </a:prstGeom>
-        </p:spPr>
-      </p:pic>
-    </p:spTree>
-  </p:cSld>
-  <p:clrMapOvr>
-    <a:masterClrMapping/>
-  </p:clrMapOvr>
-  <mc:AlternateContent xmlns:mc="http://schemas.openxmlformats.org/markup-compatibility/2006">
-    <mc:Choice xmlns:p14="http://schemas.microsoft.com/office/powerpoint/2010/main" Requires="p14">
-      <p:transition spd="slow" p14:dur="2000"/>
-    </mc:Choice>
-    <mc:Fallback>
-      <p:transition spd="slow"/>
-    </mc:Fallback>
-  </mc:AlternateContent>
 </p:sld>
 </file>
 

--- a/最终作业论文调研/期末展示.pptx
+++ b/最终作业论文调研/期末展示.pptx
@@ -13,11 +13,12 @@
     <p:sldId id="267" r:id="rId5"/>
     <p:sldId id="268" r:id="rId7"/>
     <p:sldId id="269" r:id="rId8"/>
-    <p:sldId id="257" r:id="rId9"/>
-    <p:sldId id="261" r:id="rId10"/>
-    <p:sldId id="262" r:id="rId11"/>
-    <p:sldId id="263" r:id="rId12"/>
-    <p:sldId id="264" r:id="rId13"/>
+    <p:sldId id="275" r:id="rId9"/>
+    <p:sldId id="257" r:id="rId10"/>
+    <p:sldId id="261" r:id="rId11"/>
+    <p:sldId id="262" r:id="rId12"/>
+    <p:sldId id="263" r:id="rId13"/>
+    <p:sldId id="264" r:id="rId14"/>
   </p:sldIdLst>
   <p:sldSz cx="12192000" cy="6858000"/>
   <p:notesSz cx="6858000" cy="9144000"/>
@@ -8969,6 +8970,427 @@
           <a:p>
             <a:r>
               <a:rPr lang="en-US" altLang="zh-CN" dirty="0"/>
+              <a:t>TNDBPR</a:t>
+            </a:r>
+            <a:endParaRPr lang="zh-CN" altLang="en-US" dirty="0"/>
+          </a:p>
+        </p:txBody>
+      </p:sp>
+      <p:sp>
+        <p:nvSpPr>
+          <p:cNvPr id="3" name="内容占位符 2"/>
+          <p:cNvSpPr>
+            <a:spLocks noGrp="1"/>
+          </p:cNvSpPr>
+          <p:nvPr>
+            <p:ph sz="quarter" idx="13"/>
+          </p:nvPr>
+        </p:nvSpPr>
+        <p:spPr>
+          <a:xfrm>
+            <a:off x="579755" y="1663065"/>
+            <a:ext cx="10625455" cy="4640580"/>
+          </a:xfrm>
+        </p:spPr>
+        <p:txBody>
+          <a:bodyPr>
+            <a:normAutofit/>
+          </a:bodyPr>
+          <a:lstStyle/>
+          <a:p>
+            <a:pPr marL="0" indent="0" algn="just">
+              <a:buNone/>
+            </a:pPr>
+            <a:r>
+              <a:rPr lang="en-US" altLang="zh-CN" b="1" dirty="0"/>
+              <a:t>Motivation </a:t>
+            </a:r>
+            <a:r>
+              <a:rPr lang="en-US" altLang="zh-CN" dirty="0"/>
+              <a:t>: </a:t>
+            </a:r>
+            <a:endParaRPr lang="en-US" altLang="zh-CN" dirty="0"/>
+          </a:p>
+          <a:p>
+            <a:pPr marL="0" indent="0" algn="just">
+              <a:buNone/>
+            </a:pPr>
+            <a:r>
+              <a:rPr lang="en-US" altLang="zh-CN" dirty="0"/>
+              <a:t>there lack of methods using distrust relations to derive more accurate ranking-based model. This paper simultaneously leverages trust, distrust, and neutral relations for item ranking.</a:t>
+            </a:r>
+            <a:endParaRPr lang="en-US" altLang="zh-CN" dirty="0"/>
+          </a:p>
+          <a:p>
+            <a:pPr marL="0" indent="0">
+              <a:buNone/>
+            </a:pPr>
+            <a:r>
+              <a:rPr lang="en-US" altLang="zh-CN" b="1" dirty="0"/>
+              <a:t>Method </a:t>
+            </a:r>
+            <a:r>
+              <a:rPr lang="en-US" altLang="zh-CN" dirty="0"/>
+              <a:t>:</a:t>
+            </a:r>
+            <a:endParaRPr lang="en-US" altLang="zh-CN" dirty="0"/>
+          </a:p>
+          <a:p>
+            <a:pPr lvl="1"/>
+            <a:r>
+              <a:rPr lang="en-US" altLang="zh-CN" b="1" dirty="0"/>
+              <a:t>Positive feedback </a:t>
+            </a:r>
+            <a:r>
+              <a:rPr lang="en-US" altLang="zh-CN" dirty="0"/>
+              <a:t>: user u have rated. (</a:t>
+            </a:r>
+            <a:r>
+              <a:rPr lang="en-US" altLang="zh-CN" dirty="0" err="1"/>
+              <a:t>i</a:t>
+            </a:r>
+            <a:r>
+              <a:rPr lang="en-US" altLang="zh-CN" dirty="0"/>
+              <a:t>)</a:t>
+            </a:r>
+            <a:endParaRPr lang="en-US" altLang="zh-CN" dirty="0"/>
+          </a:p>
+          <a:p>
+            <a:pPr lvl="1"/>
+            <a:r>
+              <a:rPr lang="en-US" altLang="zh-CN" b="1" dirty="0"/>
+              <a:t>Trust feedback </a:t>
+            </a:r>
+            <a:r>
+              <a:rPr lang="en-US" altLang="zh-CN" dirty="0"/>
+              <a:t>: user u did not choose but at least one of her trusted users selected. (k)</a:t>
+            </a:r>
+            <a:endParaRPr lang="en-US" altLang="zh-CN" dirty="0"/>
+          </a:p>
+          <a:p>
+            <a:pPr lvl="1"/>
+            <a:r>
+              <a:rPr lang="en-US" altLang="zh-CN" b="1" dirty="0"/>
+              <a:t>Distrust feedback </a:t>
+            </a:r>
+            <a:r>
+              <a:rPr lang="en-US" altLang="zh-CN" dirty="0"/>
+              <a:t>: user u and her trusted users did not choose, but at least one of her distrusted users selected. (z)</a:t>
+            </a:r>
+            <a:endParaRPr lang="en-US" altLang="zh-CN" dirty="0"/>
+          </a:p>
+          <a:p>
+            <a:pPr lvl="1"/>
+            <a:r>
+              <a:rPr lang="en-US" altLang="zh-CN" b="1" dirty="0"/>
+              <a:t>Neutral feedback </a:t>
+            </a:r>
+            <a:r>
+              <a:rPr lang="en-US" altLang="zh-CN" dirty="0"/>
+              <a:t>: neither user u nor any of her trusted or distrusted users choose. (j)</a:t>
+            </a:r>
+            <a:endParaRPr lang="en-US" altLang="zh-CN" dirty="0"/>
+          </a:p>
+          <a:p>
+            <a:pPr lvl="1"/>
+            <a:endParaRPr lang="en-US" altLang="zh-CN" dirty="0"/>
+          </a:p>
+          <a:p>
+            <a:pPr lvl="1"/>
+            <a:endParaRPr lang="en-US" altLang="zh-CN" dirty="0"/>
+          </a:p>
+        </p:txBody>
+      </p:sp>
+      <p:sp>
+        <p:nvSpPr>
+          <p:cNvPr id="4" name="灯片编号占位符 3"/>
+          <p:cNvSpPr>
+            <a:spLocks noGrp="1"/>
+          </p:cNvSpPr>
+          <p:nvPr>
+            <p:ph type="sldNum" sz="quarter" idx="12"/>
+          </p:nvPr>
+        </p:nvSpPr>
+        <p:spPr/>
+        <p:txBody>
+          <a:bodyPr/>
+          <a:lstStyle/>
+          <a:p>
+            <a:fld id="{96409989-9577-4FB1-8C63-5461CD5F732E}" type="slidenum">
+              <a:rPr lang="zh-CN" altLang="en-US" smtClean="0"/>
+            </a:fld>
+            <a:endParaRPr lang="zh-CN" altLang="en-US" dirty="0"/>
+          </a:p>
+        </p:txBody>
+      </p:sp>
+      <p:sp>
+        <p:nvSpPr>
+          <p:cNvPr id="5" name="页脚占位符 4"/>
+          <p:cNvSpPr>
+            <a:spLocks noGrp="1"/>
+          </p:cNvSpPr>
+          <p:nvPr>
+            <p:ph type="ftr" sz="quarter" idx="11"/>
+          </p:nvPr>
+        </p:nvSpPr>
+        <p:spPr/>
+        <p:txBody>
+          <a:bodyPr>
+            <a:normAutofit fontScale="60000"/>
+          </a:bodyPr>
+          <a:lstStyle/>
+          <a:p>
+            <a:r>
+              <a:rPr lang="en-US" altLang="zh-CN" dirty="0"/>
+              <a:t>Xu, Y.; Xu, K.; Cai, Y.; Min, H. Leveraging Distrust Relations to Improve Bayesian Personalized Ranking. </a:t>
+            </a:r>
+            <a:r>
+              <a:rPr lang="en-US" altLang="zh-CN" i="1" dirty="0"/>
+              <a:t>Information</a:t>
+            </a:r>
+            <a:r>
+              <a:rPr lang="en-US" altLang="zh-CN" dirty="0"/>
+              <a:t> </a:t>
+            </a:r>
+            <a:r>
+              <a:rPr lang="en-US" altLang="zh-CN" b="1" dirty="0"/>
+              <a:t>2018</a:t>
+            </a:r>
+            <a:r>
+              <a:rPr lang="en-US" altLang="zh-CN" dirty="0"/>
+              <a:t>, </a:t>
+            </a:r>
+            <a:r>
+              <a:rPr lang="en-US" altLang="zh-CN" i="1" dirty="0"/>
+              <a:t>9</a:t>
+            </a:r>
+            <a:r>
+              <a:rPr lang="en-US" altLang="zh-CN" dirty="0"/>
+              <a:t>, 191.</a:t>
+            </a:r>
+            <a:endParaRPr lang="zh-CN" altLang="en-US" dirty="0"/>
+          </a:p>
+        </p:txBody>
+      </p:sp>
+      <p:pic>
+        <p:nvPicPr>
+          <p:cNvPr id="6" name="图片 5"/>
+          <p:cNvPicPr>
+            <a:picLocks noChangeAspect="1"/>
+          </p:cNvPicPr>
+          <p:nvPr/>
+        </p:nvPicPr>
+        <p:blipFill>
+          <a:blip r:embed="rId1"/>
+          <a:stretch>
+            <a:fillRect/>
+          </a:stretch>
+        </p:blipFill>
+        <p:spPr>
+          <a:xfrm>
+            <a:off x="1273859" y="5486132"/>
+            <a:ext cx="4239507" cy="518865"/>
+          </a:xfrm>
+          <a:prstGeom prst="rect">
+            <a:avLst/>
+          </a:prstGeom>
+        </p:spPr>
+      </p:pic>
+      <p:pic>
+        <p:nvPicPr>
+          <p:cNvPr id="11" name="图片 10" descr="image-20210604172908822"/>
+          <p:cNvPicPr>
+            <a:picLocks noChangeAspect="1"/>
+          </p:cNvPicPr>
+          <p:nvPr/>
+        </p:nvPicPr>
+        <p:blipFill>
+          <a:blip r:embed="rId2"/>
+          <a:stretch>
+            <a:fillRect/>
+          </a:stretch>
+        </p:blipFill>
+        <p:spPr>
+          <a:xfrm>
+            <a:off x="2972435" y="1257935"/>
+            <a:ext cx="8051165" cy="4346575"/>
+          </a:xfrm>
+          <a:prstGeom prst="rect">
+            <a:avLst/>
+          </a:prstGeom>
+        </p:spPr>
+      </p:pic>
+    </p:spTree>
+  </p:cSld>
+  <p:clrMapOvr>
+    <a:masterClrMapping/>
+  </p:clrMapOvr>
+  <mc:AlternateContent xmlns:mc="http://schemas.openxmlformats.org/markup-compatibility/2006">
+    <mc:Choice xmlns:p14="http://schemas.microsoft.com/office/powerpoint/2010/main" Requires="p14">
+      <p:transition spd="slow" p14:dur="2000"/>
+    </mc:Choice>
+    <mc:Fallback>
+      <p:transition spd="slow"/>
+    </mc:Fallback>
+  </mc:AlternateContent>
+  <p:timing>
+    <p:tnLst>
+      <p:par>
+        <p:cTn id="1" dur="indefinite" restart="never" nodeType="tmRoot">
+          <p:childTnLst>
+            <p:seq concurrent="1" nextAc="seek">
+              <p:cTn id="2" dur="indefinite" nodeType="mainSeq">
+                <p:childTnLst>
+                  <p:par>
+                    <p:cTn id="3" fill="hold">
+                      <p:stCondLst>
+                        <p:cond delay="indefinite"/>
+                      </p:stCondLst>
+                      <p:childTnLst>
+                        <p:par>
+                          <p:cTn id="4" fill="hold">
+                            <p:stCondLst>
+                              <p:cond delay="0"/>
+                            </p:stCondLst>
+                            <p:childTnLst>
+                              <p:par>
+                                <p:cTn id="5" presetID="2" presetClass="entr" presetSubtype="4" fill="hold" nodeType="clickEffect">
+                                  <p:stCondLst>
+                                    <p:cond delay="0"/>
+                                  </p:stCondLst>
+                                  <p:childTnLst>
+                                    <p:set>
+                                      <p:cBhvr>
+                                        <p:cTn id="6" dur="1" fill="hold">
+                                          <p:stCondLst>
+                                            <p:cond delay="0"/>
+                                          </p:stCondLst>
+                                        </p:cTn>
+                                        <p:tgtEl>
+                                          <p:spTgt spid="11"/>
+                                        </p:tgtEl>
+                                        <p:attrNameLst>
+                                          <p:attrName>style.visibility</p:attrName>
+                                        </p:attrNameLst>
+                                      </p:cBhvr>
+                                      <p:to>
+                                        <p:strVal val="visible"/>
+                                      </p:to>
+                                    </p:set>
+                                    <p:anim calcmode="lin" valueType="num">
+                                      <p:cBhvr additive="base">
+                                        <p:cTn id="7" dur="500" fill="hold"/>
+                                        <p:tgtEl>
+                                          <p:spTgt spid="11"/>
+                                        </p:tgtEl>
+                                        <p:attrNameLst>
+                                          <p:attrName>ppt_x</p:attrName>
+                                        </p:attrNameLst>
+                                      </p:cBhvr>
+                                      <p:tavLst>
+                                        <p:tav tm="0">
+                                          <p:val>
+                                            <p:strVal val="#ppt_x"/>
+                                          </p:val>
+                                        </p:tav>
+                                        <p:tav tm="100000">
+                                          <p:val>
+                                            <p:strVal val="#ppt_x"/>
+                                          </p:val>
+                                        </p:tav>
+                                      </p:tavLst>
+                                    </p:anim>
+                                    <p:anim calcmode="lin" valueType="num">
+                                      <p:cBhvr additive="base">
+                                        <p:cTn id="8" dur="500" fill="hold"/>
+                                        <p:tgtEl>
+                                          <p:spTgt spid="11"/>
+                                        </p:tgtEl>
+                                        <p:attrNameLst>
+                                          <p:attrName>ppt_y</p:attrName>
+                                        </p:attrNameLst>
+                                      </p:cBhvr>
+                                      <p:tavLst>
+                                        <p:tav tm="0">
+                                          <p:val>
+                                            <p:strVal val="1+#ppt_h/2"/>
+                                          </p:val>
+                                        </p:tav>
+                                        <p:tav tm="100000">
+                                          <p:val>
+                                            <p:strVal val="#ppt_y"/>
+                                          </p:val>
+                                        </p:tav>
+                                      </p:tavLst>
+                                    </p:anim>
+                                  </p:childTnLst>
+                                </p:cTn>
+                              </p:par>
+                            </p:childTnLst>
+                          </p:cTn>
+                        </p:par>
+                      </p:childTnLst>
+                    </p:cTn>
+                  </p:par>
+                </p:childTnLst>
+              </p:cTn>
+              <p:prevCondLst>
+                <p:cond evt="onPrev" delay="0">
+                  <p:tgtEl>
+                    <p:sldTgt/>
+                  </p:tgtEl>
+                </p:cond>
+              </p:prevCondLst>
+              <p:nextCondLst>
+                <p:cond evt="onNext" delay="0">
+                  <p:tgtEl>
+                    <p:sldTgt/>
+                  </p:tgtEl>
+                </p:cond>
+              </p:nextCondLst>
+            </p:seq>
+          </p:childTnLst>
+        </p:cTn>
+      </p:par>
+    </p:tnLst>
+  </p:timing>
+</p:sld>
+</file>
+
+<file path=ppt/slides/slide11.xml><?xml version="1.0" encoding="utf-8"?>
+<p:sld xmlns:a="http://schemas.openxmlformats.org/drawingml/2006/main" xmlns:r="http://schemas.openxmlformats.org/officeDocument/2006/relationships" xmlns:p="http://schemas.openxmlformats.org/presentationml/2006/main">
+  <p:cSld>
+    <p:spTree>
+      <p:nvGrpSpPr>
+        <p:cNvPr id="1" name=""/>
+        <p:cNvGrpSpPr/>
+        <p:nvPr/>
+      </p:nvGrpSpPr>
+      <p:grpSpPr>
+        <a:xfrm>
+          <a:off x="0" y="0"/>
+          <a:ext cx="0" cy="0"/>
+          <a:chOff x="0" y="0"/>
+          <a:chExt cx="0" cy="0"/>
+        </a:xfrm>
+      </p:grpSpPr>
+      <p:sp>
+        <p:nvSpPr>
+          <p:cNvPr id="2" name="标题 1"/>
+          <p:cNvSpPr>
+            <a:spLocks noGrp="1"/>
+          </p:cNvSpPr>
+          <p:nvPr>
+            <p:ph type="title"/>
+          </p:nvPr>
+        </p:nvSpPr>
+        <p:spPr/>
+        <p:txBody>
+          <a:bodyPr/>
+          <a:lstStyle/>
+          <a:p>
+            <a:r>
+              <a:rPr lang="en-US" altLang="zh-CN" dirty="0"/>
               <a:t>PRM</a:t>
             </a:r>
             <a:endParaRPr lang="en-US" altLang="zh-CN" dirty="0"/>
@@ -9817,16 +10239,20 @@
             </a:pPr>
             <a:r>
               <a:rPr lang="en-US" altLang="zh-CN" dirty="0"/>
-              <a:t>a  major  problem  of  existing  methods  is  that  they  assume  every  follower-followee  user  pairs  are  equally  likely,  and  this  leads  to  the  coarse  user  following  preferences  inferring.  Intuitively,  a  user’ s  adoption  of  others  as  </a:t>
+              <a:t>a major problem of existing methods is that they assume ever follower-followee user pairs are  equally likely, and this leads to the coarse user following preferences inferring. Intuitively, a  user’ s adoption of others a followees may be motivated by her interests as well as social  connections, hence a good recommender should be able to separate the two situations and </a:t>
             </a:r>
             <a:r>
               <a:rPr lang="en-US" altLang="zh-CN" dirty="0"/>
-              <a:t>followees  may  be  motivated  by  her  interests  as  well  as  social  connections,  hence  a  good  recommender  should  be  able  to  separate  the  two  situations  and  take  both  factors  into  account  for  better  recommendation  results. </a:t>
+              <a:t>take both factors into account for better recommendation results. </a:t>
             </a:r>
             <a:endParaRPr lang="en-US" altLang="zh-CN" dirty="0"/>
           </a:p>
           <a:p>
-            <a:pPr algn="just"/>
+            <a:pPr marL="0" algn="just">
+              <a:buClrTx/>
+              <a:buSzTx/>
+              <a:buNone/>
+            </a:pPr>
             <a:endParaRPr lang="en-US" altLang="zh-CN" dirty="0"/>
           </a:p>
           <a:p>
@@ -9921,21 +10347,37 @@
           <a:lstStyle/>
           <a:p>
             <a:r>
-              <a:rPr lang="en-US" altLang="zh-CN" dirty="0"/>
-              <a:t>Xu K, Zheng X, Cai Y, et al. Improving user recommendation by extracting social topics and interest topics of users in </a:t>
-            </a:r>
-            <a:r>
-              <a:rPr lang="en-US" altLang="zh-CN" dirty="0" err="1"/>
-              <a:t>uni</a:t>
-            </a:r>
-            <a:r>
-              <a:rPr lang="en-US" altLang="zh-CN" dirty="0"/>
-              <a:t>-directional social networks[J]. Knowledge-Based Systems, 2018, 140: 120-133.</a:t>
+              <a:rPr lang="zh-CN" altLang="en-US" dirty="0"/>
+              <a:t>Xu K ,  Zheng X ,  Cai Y , et al. Improving User Recommendation by Extracting Social Topics and Interest Topics of Users in Uni-Directional Social Networks[J]. Knowledge-Based Systems, 2017:S0950705117305002.</a:t>
             </a:r>
             <a:endParaRPr lang="zh-CN" altLang="en-US" dirty="0"/>
           </a:p>
         </p:txBody>
       </p:sp>
+      <p:pic>
+        <p:nvPicPr>
+          <p:cNvPr id="6" name="图片 5"/>
+          <p:cNvPicPr>
+            <a:picLocks noChangeAspect="1"/>
+          </p:cNvPicPr>
+          <p:nvPr/>
+        </p:nvPicPr>
+        <p:blipFill>
+          <a:blip r:embed="rId1"/>
+          <a:stretch>
+            <a:fillRect/>
+          </a:stretch>
+        </p:blipFill>
+        <p:spPr>
+          <a:xfrm>
+            <a:off x="7541895" y="3721100"/>
+            <a:ext cx="4192270" cy="2716530"/>
+          </a:xfrm>
+          <a:prstGeom prst="rect">
+            <a:avLst/>
+          </a:prstGeom>
+        </p:spPr>
+      </p:pic>
     </p:spTree>
   </p:cSld>
   <p:clrMapOvr>
@@ -10140,13 +10582,13 @@
         <p:spPr/>
         <p:txBody>
           <a:bodyPr>
-            <a:normAutofit fontScale="50000"/>
+            <a:normAutofit fontScale="60000"/>
           </a:bodyPr>
           <a:lstStyle/>
           <a:p>
             <a:r>
-              <a:rPr lang="en-US" altLang="zh-CN"/>
-              <a:t>Xu K, Cai Y, Min H, et al. Top-N Trustee Recommendation with Binary User Trust Feedback[C]//International Conference on Database Systems for Advanced Applications. Springer, Cham, 2018: 269-279.</a:t>
+              <a:rPr lang="zh-CN" altLang="en-US" dirty="0"/>
+              <a:t>Ke X ,  Yi C ,  Min H , et al. Top-N Trustee Recommendation with Binary User Trust Feedback[M].  2018.</a:t>
             </a:r>
             <a:endParaRPr lang="zh-CN" altLang="en-US" dirty="0"/>
           </a:p>
@@ -10217,6 +10659,146 @@
 </file>
 
 <file path=ppt/slides/slide6.xml><?xml version="1.0" encoding="utf-8"?>
+<p:sld xmlns:a="http://schemas.openxmlformats.org/drawingml/2006/main" xmlns:r="http://schemas.openxmlformats.org/officeDocument/2006/relationships" xmlns:p="http://schemas.openxmlformats.org/presentationml/2006/main">
+  <p:cSld>
+    <p:spTree>
+      <p:nvGrpSpPr>
+        <p:cNvPr id="1" name=""/>
+        <p:cNvGrpSpPr/>
+        <p:nvPr/>
+      </p:nvGrpSpPr>
+      <p:grpSpPr/>
+      <p:sp>
+        <p:nvSpPr>
+          <p:cNvPr id="5" name="标题 4"/>
+          <p:cNvSpPr>
+            <a:spLocks noGrp="1"/>
+          </p:cNvSpPr>
+          <p:nvPr>
+            <p:ph type="title"/>
+          </p:nvPr>
+        </p:nvSpPr>
+        <p:spPr/>
+        <p:txBody>
+          <a:bodyPr/>
+          <a:p>
+            <a:r>
+              <a:rPr lang="en-US" altLang="zh-CN"/>
+              <a:t>From MF </a:t>
+            </a:r>
+            <a:r>
+              <a:rPr lang="en-US" altLang="zh-CN"/>
+              <a:t>to BPR</a:t>
+            </a:r>
+            <a:endParaRPr lang="en-US" altLang="zh-CN"/>
+          </a:p>
+        </p:txBody>
+      </p:sp>
+      <p:sp>
+        <p:nvSpPr>
+          <p:cNvPr id="6" name="内容占位符 5"/>
+          <p:cNvSpPr>
+            <a:spLocks noGrp="1"/>
+          </p:cNvSpPr>
+          <p:nvPr>
+            <p:ph sz="quarter" idx="13"/>
+          </p:nvPr>
+        </p:nvSpPr>
+        <p:spPr>
+          <a:xfrm>
+            <a:off x="579755" y="1188085"/>
+            <a:ext cx="10967085" cy="5195570"/>
+          </a:xfrm>
+        </p:spPr>
+        <p:txBody>
+          <a:bodyPr/>
+          <a:p>
+            <a:pPr marL="0" indent="0">
+              <a:buNone/>
+            </a:pPr>
+            <a:r>
+              <a:rPr lang="zh-CN" altLang="en-US" b="1"/>
+              <a:t>Disadvantages of</a:t>
+            </a:r>
+            <a:r>
+              <a:rPr lang="en-US" altLang="zh-CN" b="1"/>
+              <a:t> MF</a:t>
+            </a:r>
+            <a:r>
+              <a:rPr lang="zh-CN" altLang="en-US" b="1"/>
+              <a:t>：</a:t>
+            </a:r>
+            <a:endParaRPr lang="zh-CN" altLang="en-US" b="1"/>
+          </a:p>
+          <a:p>
+            <a:pPr marL="0" indent="0">
+              <a:buNone/>
+            </a:pPr>
+            <a:r>
+              <a:rPr lang="zh-CN" altLang="en-US"/>
+              <a:t>No negative example sample utilized</a:t>
+            </a:r>
+            <a:r>
+              <a:rPr lang="en-US" altLang="zh-CN"/>
+              <a:t>.</a:t>
+            </a:r>
+            <a:endParaRPr lang="en-US" altLang="zh-CN"/>
+          </a:p>
+          <a:p>
+            <a:pPr marL="0" indent="0">
+              <a:buNone/>
+            </a:pPr>
+            <a:endParaRPr lang="en-US" altLang="zh-CN"/>
+          </a:p>
+          <a:p>
+            <a:pPr marL="0" indent="0">
+              <a:buNone/>
+            </a:pPr>
+            <a:r>
+              <a:rPr lang="en-US" altLang="zh-CN" b="1"/>
+              <a:t>BPR:</a:t>
+            </a:r>
+            <a:endParaRPr lang="en-US" altLang="zh-CN" b="1"/>
+          </a:p>
+          <a:p>
+            <a:pPr marL="0" indent="0">
+              <a:buNone/>
+            </a:pPr>
+            <a:r>
+              <a:rPr lang="en-US" altLang="zh-CN"/>
+              <a:t>Use the idea of Pairwise to construct partial order relations.</a:t>
+            </a:r>
+            <a:endParaRPr lang="en-US" altLang="zh-CN"/>
+          </a:p>
+          <a:p>
+            <a:pPr marL="0" indent="0">
+              <a:buNone/>
+            </a:pPr>
+            <a:r>
+              <a:rPr lang="en-US" altLang="zh-CN"/>
+              <a:t>The goal is no longer to minimize the root-mean-square error as in MF, but needs to satisfy the best relative ordering of items.</a:t>
+            </a:r>
+            <a:endParaRPr lang="en-US" altLang="zh-CN"/>
+          </a:p>
+        </p:txBody>
+      </p:sp>
+    </p:spTree>
+  </p:cSld>
+  <p:clrMapOvr>
+    <a:masterClrMapping/>
+  </p:clrMapOvr>
+  <mc:AlternateContent xmlns:mc="http://schemas.openxmlformats.org/markup-compatibility/2006">
+    <mc:Choice xmlns:p14="http://schemas.microsoft.com/office/powerpoint/2010/main" Requires="p14">
+      <p:transition spd="slow" p14:dur="2000"/>
+    </mc:Choice>
+    <mc:Fallback>
+      <p:transition spd="slow"/>
+    </mc:Fallback>
+  </mc:AlternateContent>
+</p:sld>
+</file>
+
+<file path=ppt/slides/slide7.xml><?xml version="1.0" encoding="utf-8"?>
 <p:sld xmlns:a="http://schemas.openxmlformats.org/drawingml/2006/main" xmlns:r="http://schemas.openxmlformats.org/officeDocument/2006/relationships" xmlns:p="http://schemas.openxmlformats.org/presentationml/2006/main">
   <p:cSld>
     <p:spTree>
@@ -10479,7 +11061,7 @@
 </p:sld>
 </file>
 
-<file path=ppt/slides/slide7.xml><?xml version="1.0" encoding="utf-8"?>
+<file path=ppt/slides/slide8.xml><?xml version="1.0" encoding="utf-8"?>
 <p:sld xmlns:a="http://schemas.openxmlformats.org/drawingml/2006/main" xmlns:r="http://schemas.openxmlformats.org/officeDocument/2006/relationships" xmlns:p="http://schemas.openxmlformats.org/presentationml/2006/main">
   <p:cSld>
     <p:spTree>
@@ -10954,7 +11536,7 @@
 </p:sld>
 </file>
 
-<file path=ppt/slides/slide8.xml><?xml version="1.0" encoding="utf-8"?>
+<file path=ppt/slides/slide9.xml><?xml version="1.0" encoding="utf-8"?>
 <p:sld xmlns:a="http://schemas.openxmlformats.org/drawingml/2006/main" xmlns:r="http://schemas.openxmlformats.org/officeDocument/2006/relationships" xmlns:p="http://schemas.openxmlformats.org/presentationml/2006/main">
   <p:cSld>
     <p:spTree>
@@ -11562,427 +12144,6 @@
 </p:sld>
 </file>
 
-<file path=ppt/slides/slide9.xml><?xml version="1.0" encoding="utf-8"?>
-<p:sld xmlns:a="http://schemas.openxmlformats.org/drawingml/2006/main" xmlns:r="http://schemas.openxmlformats.org/officeDocument/2006/relationships" xmlns:p="http://schemas.openxmlformats.org/presentationml/2006/main">
-  <p:cSld>
-    <p:spTree>
-      <p:nvGrpSpPr>
-        <p:cNvPr id="1" name=""/>
-        <p:cNvGrpSpPr/>
-        <p:nvPr/>
-      </p:nvGrpSpPr>
-      <p:grpSpPr>
-        <a:xfrm>
-          <a:off x="0" y="0"/>
-          <a:ext cx="0" cy="0"/>
-          <a:chOff x="0" y="0"/>
-          <a:chExt cx="0" cy="0"/>
-        </a:xfrm>
-      </p:grpSpPr>
-      <p:sp>
-        <p:nvSpPr>
-          <p:cNvPr id="2" name="标题 1"/>
-          <p:cNvSpPr>
-            <a:spLocks noGrp="1"/>
-          </p:cNvSpPr>
-          <p:nvPr>
-            <p:ph type="title"/>
-          </p:nvPr>
-        </p:nvSpPr>
-        <p:spPr/>
-        <p:txBody>
-          <a:bodyPr/>
-          <a:lstStyle/>
-          <a:p>
-            <a:r>
-              <a:rPr lang="en-US" altLang="zh-CN" dirty="0"/>
-              <a:t>TNDBPR</a:t>
-            </a:r>
-            <a:endParaRPr lang="zh-CN" altLang="en-US" dirty="0"/>
-          </a:p>
-        </p:txBody>
-      </p:sp>
-      <p:sp>
-        <p:nvSpPr>
-          <p:cNvPr id="3" name="内容占位符 2"/>
-          <p:cNvSpPr>
-            <a:spLocks noGrp="1"/>
-          </p:cNvSpPr>
-          <p:nvPr>
-            <p:ph sz="quarter" idx="13"/>
-          </p:nvPr>
-        </p:nvSpPr>
-        <p:spPr>
-          <a:xfrm>
-            <a:off x="579755" y="1663065"/>
-            <a:ext cx="10625455" cy="4640580"/>
-          </a:xfrm>
-        </p:spPr>
-        <p:txBody>
-          <a:bodyPr>
-            <a:normAutofit/>
-          </a:bodyPr>
-          <a:lstStyle/>
-          <a:p>
-            <a:pPr marL="0" indent="0" algn="just">
-              <a:buNone/>
-            </a:pPr>
-            <a:r>
-              <a:rPr lang="en-US" altLang="zh-CN" b="1" dirty="0"/>
-              <a:t>Motivation </a:t>
-            </a:r>
-            <a:r>
-              <a:rPr lang="en-US" altLang="zh-CN" dirty="0"/>
-              <a:t>: </a:t>
-            </a:r>
-            <a:endParaRPr lang="en-US" altLang="zh-CN" dirty="0"/>
-          </a:p>
-          <a:p>
-            <a:pPr marL="0" indent="0" algn="just">
-              <a:buNone/>
-            </a:pPr>
-            <a:r>
-              <a:rPr lang="en-US" altLang="zh-CN" dirty="0"/>
-              <a:t>there lack of methods using distrust relations to derive more accurate ranking-based model. This paper simultaneously leverages trust, distrust, and neutral relations for item ranking.</a:t>
-            </a:r>
-            <a:endParaRPr lang="en-US" altLang="zh-CN" dirty="0"/>
-          </a:p>
-          <a:p>
-            <a:pPr marL="0" indent="0">
-              <a:buNone/>
-            </a:pPr>
-            <a:r>
-              <a:rPr lang="en-US" altLang="zh-CN" b="1" dirty="0"/>
-              <a:t>Method </a:t>
-            </a:r>
-            <a:r>
-              <a:rPr lang="en-US" altLang="zh-CN" dirty="0"/>
-              <a:t>:</a:t>
-            </a:r>
-            <a:endParaRPr lang="en-US" altLang="zh-CN" dirty="0"/>
-          </a:p>
-          <a:p>
-            <a:pPr lvl="1"/>
-            <a:r>
-              <a:rPr lang="en-US" altLang="zh-CN" b="1" dirty="0"/>
-              <a:t>Positive feedback </a:t>
-            </a:r>
-            <a:r>
-              <a:rPr lang="en-US" altLang="zh-CN" dirty="0"/>
-              <a:t>: user u have rated. (</a:t>
-            </a:r>
-            <a:r>
-              <a:rPr lang="en-US" altLang="zh-CN" dirty="0" err="1"/>
-              <a:t>i</a:t>
-            </a:r>
-            <a:r>
-              <a:rPr lang="en-US" altLang="zh-CN" dirty="0"/>
-              <a:t>)</a:t>
-            </a:r>
-            <a:endParaRPr lang="en-US" altLang="zh-CN" dirty="0"/>
-          </a:p>
-          <a:p>
-            <a:pPr lvl="1"/>
-            <a:r>
-              <a:rPr lang="en-US" altLang="zh-CN" b="1" dirty="0"/>
-              <a:t>Trust feedback </a:t>
-            </a:r>
-            <a:r>
-              <a:rPr lang="en-US" altLang="zh-CN" dirty="0"/>
-              <a:t>: user u did not choose but at least one of her trusted users selected. (k)</a:t>
-            </a:r>
-            <a:endParaRPr lang="en-US" altLang="zh-CN" dirty="0"/>
-          </a:p>
-          <a:p>
-            <a:pPr lvl="1"/>
-            <a:r>
-              <a:rPr lang="en-US" altLang="zh-CN" b="1" dirty="0"/>
-              <a:t>Distrust feedback </a:t>
-            </a:r>
-            <a:r>
-              <a:rPr lang="en-US" altLang="zh-CN" dirty="0"/>
-              <a:t>: user u and her trusted users did not choose, but at least one of her distrusted users selected. (z)</a:t>
-            </a:r>
-            <a:endParaRPr lang="en-US" altLang="zh-CN" dirty="0"/>
-          </a:p>
-          <a:p>
-            <a:pPr lvl="1"/>
-            <a:r>
-              <a:rPr lang="en-US" altLang="zh-CN" b="1" dirty="0"/>
-              <a:t>Neutral feedback </a:t>
-            </a:r>
-            <a:r>
-              <a:rPr lang="en-US" altLang="zh-CN" dirty="0"/>
-              <a:t>: neither user u nor any of her trusted or distrusted users choose. (j)</a:t>
-            </a:r>
-            <a:endParaRPr lang="en-US" altLang="zh-CN" dirty="0"/>
-          </a:p>
-          <a:p>
-            <a:pPr lvl="1"/>
-            <a:endParaRPr lang="en-US" altLang="zh-CN" dirty="0"/>
-          </a:p>
-          <a:p>
-            <a:pPr lvl="1"/>
-            <a:endParaRPr lang="en-US" altLang="zh-CN" dirty="0"/>
-          </a:p>
-        </p:txBody>
-      </p:sp>
-      <p:sp>
-        <p:nvSpPr>
-          <p:cNvPr id="4" name="灯片编号占位符 3"/>
-          <p:cNvSpPr>
-            <a:spLocks noGrp="1"/>
-          </p:cNvSpPr>
-          <p:nvPr>
-            <p:ph type="sldNum" sz="quarter" idx="12"/>
-          </p:nvPr>
-        </p:nvSpPr>
-        <p:spPr/>
-        <p:txBody>
-          <a:bodyPr/>
-          <a:lstStyle/>
-          <a:p>
-            <a:fld id="{96409989-9577-4FB1-8C63-5461CD5F732E}" type="slidenum">
-              <a:rPr lang="zh-CN" altLang="en-US" smtClean="0"/>
-            </a:fld>
-            <a:endParaRPr lang="zh-CN" altLang="en-US" dirty="0"/>
-          </a:p>
-        </p:txBody>
-      </p:sp>
-      <p:sp>
-        <p:nvSpPr>
-          <p:cNvPr id="5" name="页脚占位符 4"/>
-          <p:cNvSpPr>
-            <a:spLocks noGrp="1"/>
-          </p:cNvSpPr>
-          <p:nvPr>
-            <p:ph type="ftr" sz="quarter" idx="11"/>
-          </p:nvPr>
-        </p:nvSpPr>
-        <p:spPr/>
-        <p:txBody>
-          <a:bodyPr>
-            <a:normAutofit fontScale="60000"/>
-          </a:bodyPr>
-          <a:lstStyle/>
-          <a:p>
-            <a:r>
-              <a:rPr lang="en-US" altLang="zh-CN" dirty="0"/>
-              <a:t>Xu, Y.; Xu, K.; Cai, Y.; Min, H. Leveraging Distrust Relations to Improve Bayesian Personalized Ranking. </a:t>
-            </a:r>
-            <a:r>
-              <a:rPr lang="en-US" altLang="zh-CN" i="1" dirty="0"/>
-              <a:t>Information</a:t>
-            </a:r>
-            <a:r>
-              <a:rPr lang="en-US" altLang="zh-CN" dirty="0"/>
-              <a:t> </a:t>
-            </a:r>
-            <a:r>
-              <a:rPr lang="en-US" altLang="zh-CN" b="1" dirty="0"/>
-              <a:t>2018</a:t>
-            </a:r>
-            <a:r>
-              <a:rPr lang="en-US" altLang="zh-CN" dirty="0"/>
-              <a:t>, </a:t>
-            </a:r>
-            <a:r>
-              <a:rPr lang="en-US" altLang="zh-CN" i="1" dirty="0"/>
-              <a:t>9</a:t>
-            </a:r>
-            <a:r>
-              <a:rPr lang="en-US" altLang="zh-CN" dirty="0"/>
-              <a:t>, 191.</a:t>
-            </a:r>
-            <a:endParaRPr lang="zh-CN" altLang="en-US" dirty="0"/>
-          </a:p>
-        </p:txBody>
-      </p:sp>
-      <p:pic>
-        <p:nvPicPr>
-          <p:cNvPr id="6" name="图片 5"/>
-          <p:cNvPicPr>
-            <a:picLocks noChangeAspect="1"/>
-          </p:cNvPicPr>
-          <p:nvPr/>
-        </p:nvPicPr>
-        <p:blipFill>
-          <a:blip r:embed="rId1"/>
-          <a:stretch>
-            <a:fillRect/>
-          </a:stretch>
-        </p:blipFill>
-        <p:spPr>
-          <a:xfrm>
-            <a:off x="1273859" y="5486132"/>
-            <a:ext cx="4239507" cy="518865"/>
-          </a:xfrm>
-          <a:prstGeom prst="rect">
-            <a:avLst/>
-          </a:prstGeom>
-        </p:spPr>
-      </p:pic>
-      <p:pic>
-        <p:nvPicPr>
-          <p:cNvPr id="11" name="图片 10" descr="image-20210604172908822"/>
-          <p:cNvPicPr>
-            <a:picLocks noChangeAspect="1"/>
-          </p:cNvPicPr>
-          <p:nvPr/>
-        </p:nvPicPr>
-        <p:blipFill>
-          <a:blip r:embed="rId2"/>
-          <a:stretch>
-            <a:fillRect/>
-          </a:stretch>
-        </p:blipFill>
-        <p:spPr>
-          <a:xfrm>
-            <a:off x="2972435" y="1257935"/>
-            <a:ext cx="8051165" cy="4346575"/>
-          </a:xfrm>
-          <a:prstGeom prst="rect">
-            <a:avLst/>
-          </a:prstGeom>
-        </p:spPr>
-      </p:pic>
-    </p:spTree>
-  </p:cSld>
-  <p:clrMapOvr>
-    <a:masterClrMapping/>
-  </p:clrMapOvr>
-  <mc:AlternateContent xmlns:mc="http://schemas.openxmlformats.org/markup-compatibility/2006">
-    <mc:Choice xmlns:p14="http://schemas.microsoft.com/office/powerpoint/2010/main" Requires="p14">
-      <p:transition spd="slow" p14:dur="2000"/>
-    </mc:Choice>
-    <mc:Fallback>
-      <p:transition spd="slow"/>
-    </mc:Fallback>
-  </mc:AlternateContent>
-  <p:timing>
-    <p:tnLst>
-      <p:par>
-        <p:cTn id="1" dur="indefinite" restart="never" nodeType="tmRoot">
-          <p:childTnLst>
-            <p:seq concurrent="1" nextAc="seek">
-              <p:cTn id="2" dur="indefinite" nodeType="mainSeq">
-                <p:childTnLst>
-                  <p:par>
-                    <p:cTn id="3" fill="hold">
-                      <p:stCondLst>
-                        <p:cond delay="indefinite"/>
-                      </p:stCondLst>
-                      <p:childTnLst>
-                        <p:par>
-                          <p:cTn id="4" fill="hold">
-                            <p:stCondLst>
-                              <p:cond delay="0"/>
-                            </p:stCondLst>
-                            <p:childTnLst>
-                              <p:par>
-                                <p:cTn id="5" presetID="2" presetClass="entr" presetSubtype="4" fill="hold" nodeType="clickEffect">
-                                  <p:stCondLst>
-                                    <p:cond delay="0"/>
-                                  </p:stCondLst>
-                                  <p:childTnLst>
-                                    <p:set>
-                                      <p:cBhvr>
-                                        <p:cTn id="6" dur="1" fill="hold">
-                                          <p:stCondLst>
-                                            <p:cond delay="0"/>
-                                          </p:stCondLst>
-                                        </p:cTn>
-                                        <p:tgtEl>
-                                          <p:spTgt spid="11"/>
-                                        </p:tgtEl>
-                                        <p:attrNameLst>
-                                          <p:attrName>style.visibility</p:attrName>
-                                        </p:attrNameLst>
-                                      </p:cBhvr>
-                                      <p:to>
-                                        <p:strVal val="visible"/>
-                                      </p:to>
-                                    </p:set>
-                                    <p:anim calcmode="lin" valueType="num">
-                                      <p:cBhvr additive="base">
-                                        <p:cTn id="7" dur="500" fill="hold"/>
-                                        <p:tgtEl>
-                                          <p:spTgt spid="11"/>
-                                        </p:tgtEl>
-                                        <p:attrNameLst>
-                                          <p:attrName>ppt_x</p:attrName>
-                                        </p:attrNameLst>
-                                      </p:cBhvr>
-                                      <p:tavLst>
-                                        <p:tav tm="0">
-                                          <p:val>
-                                            <p:strVal val="#ppt_x"/>
-                                          </p:val>
-                                        </p:tav>
-                                        <p:tav tm="100000">
-                                          <p:val>
-                                            <p:strVal val="#ppt_x"/>
-                                          </p:val>
-                                        </p:tav>
-                                      </p:tavLst>
-                                    </p:anim>
-                                    <p:anim calcmode="lin" valueType="num">
-                                      <p:cBhvr additive="base">
-                                        <p:cTn id="8" dur="500" fill="hold"/>
-                                        <p:tgtEl>
-                                          <p:spTgt spid="11"/>
-                                        </p:tgtEl>
-                                        <p:attrNameLst>
-                                          <p:attrName>ppt_y</p:attrName>
-                                        </p:attrNameLst>
-                                      </p:cBhvr>
-                                      <p:tavLst>
-                                        <p:tav tm="0">
-                                          <p:val>
-                                            <p:strVal val="1+#ppt_h/2"/>
-                                          </p:val>
-                                        </p:tav>
-                                        <p:tav tm="100000">
-                                          <p:val>
-                                            <p:strVal val="#ppt_y"/>
-                                          </p:val>
-                                        </p:tav>
-                                      </p:tavLst>
-                                    </p:anim>
-                                  </p:childTnLst>
-                                </p:cTn>
-                              </p:par>
-                            </p:childTnLst>
-                          </p:cTn>
-                        </p:par>
-                      </p:childTnLst>
-                    </p:cTn>
-                  </p:par>
-                </p:childTnLst>
-              </p:cTn>
-              <p:prevCondLst>
-                <p:cond evt="onPrev" delay="0">
-                  <p:tgtEl>
-                    <p:sldTgt/>
-                  </p:tgtEl>
-                </p:cond>
-              </p:prevCondLst>
-              <p:nextCondLst>
-                <p:cond evt="onNext" delay="0">
-                  <p:tgtEl>
-                    <p:sldTgt/>
-                  </p:tgtEl>
-                </p:cond>
-              </p:nextCondLst>
-            </p:seq>
-          </p:childTnLst>
-        </p:cTn>
-      </p:par>
-    </p:tnLst>
-  </p:timing>
-</p:sld>
-</file>
-
 <file path=ppt/tags/tag1.xml><?xml version="1.0" encoding="utf-8"?>
 <p:tagLst xmlns:p="http://schemas.openxmlformats.org/presentationml/2006/main">
   <p:tag name="KSO_WM_UNIT_HIGHLIGHT" val="0"/>

--- a/最终作业论文调研/期末展示.pptx
+++ b/最终作业论文调研/期末展示.pptx
@@ -19204,6 +19204,30 @@
           </a:prstGeom>
         </p:spPr>
       </p:pic>
+      <p:pic>
+        <p:nvPicPr>
+          <p:cNvPr id="6" name="图片 5"/>
+          <p:cNvPicPr>
+            <a:picLocks noChangeAspect="1"/>
+          </p:cNvPicPr>
+          <p:nvPr/>
+        </p:nvPicPr>
+        <p:blipFill>
+          <a:blip r:embed="rId5"/>
+          <a:stretch>
+            <a:fillRect/>
+          </a:stretch>
+        </p:blipFill>
+        <p:spPr>
+          <a:xfrm>
+            <a:off x="4116070" y="3217545"/>
+            <a:ext cx="2758440" cy="594360"/>
+          </a:xfrm>
+          <a:prstGeom prst="rect">
+            <a:avLst/>
+          </a:prstGeom>
+        </p:spPr>
+      </p:pic>
     </p:spTree>
   </p:cSld>
   <p:clrMapOvr>
